--- a/tex/4wd/ec5_35.pptx
+++ b/tex/4wd/ec5_35.pptx
@@ -677,7 +677,7 @@
           <a:p>
             <a:fld id="{F54DCFD4-4A45-43F2-8AB9-04CEB6210951}" type="datetimeFigureOut">
               <a:rPr kumimoji="1" lang="ja-JP" altLang="en-US" smtClean="0"/>
-              <a:t>2023/10/6</a:t>
+              <a:t>2023/10/8</a:t>
             </a:fld>
             <a:endParaRPr kumimoji="1" lang="ja-JP" altLang="en-US"/>
           </a:p>
@@ -1398,7 +1398,7 @@
           <a:p>
             <a:fld id="{AFBAA52B-B866-4713-8126-EE58C612994D}" type="datetimeFigureOut">
               <a:rPr kumimoji="1" lang="ja-JP" altLang="en-US" smtClean="0"/>
-              <a:t>2023/10/6</a:t>
+              <a:t>2023/10/8</a:t>
             </a:fld>
             <a:endParaRPr kumimoji="1" lang="ja-JP" altLang="en-US"/>
           </a:p>
@@ -1956,18 +1956,7 @@
                 <a:ea typeface="ＭＳ Ｐゴシック" panose="020B0600070205080204" pitchFamily="50" charset="-128"/>
                 <a:cs typeface="Calibri" panose="020F0502020204030204" pitchFamily="34" charset="0"/>
               </a:rPr>
-              <a:t>X-</a:t>
-            </a:r>
-            <a:r>
-              <a:rPr kumimoji="1" lang="ja-JP" altLang="en-US" sz="8800" dirty="0">
-                <a:solidFill>
-                  <a:schemeClr val="bg1"/>
-                </a:solidFill>
-                <a:latin typeface="ＭＳ Ｐゴシック" panose="020B0600070205080204" pitchFamily="50" charset="-128"/>
-                <a:ea typeface="ＭＳ Ｐゴシック" panose="020B0600070205080204" pitchFamily="50" charset="-128"/>
-                <a:cs typeface="Calibri" panose="020F0502020204030204" pitchFamily="34" charset="0"/>
-              </a:rPr>
-              <a:t>ｎ</a:t>
+              <a:t>B-2</a:t>
             </a:r>
           </a:p>
         </p:txBody>
@@ -2009,7 +1998,7 @@
                 <a:ea typeface="ＭＳ Ｐゴシック" panose="020B0600070205080204" pitchFamily="50" charset="-128"/>
                 <a:cs typeface="Calibri" panose="020F0502020204030204" pitchFamily="34" charset="0"/>
               </a:rPr>
-              <a:t>タイトル</a:t>
+              <a:t>単一視点による人物の三次元動作解析について</a:t>
             </a:r>
           </a:p>
         </p:txBody>
@@ -2050,7 +2039,7 @@
                 <a:latin typeface="ＭＳ Ｐゴシック" panose="020B0600070205080204" pitchFamily="50" charset="-128"/>
                 <a:ea typeface="ＭＳ Ｐゴシック" panose="020B0600070205080204" pitchFamily="50" charset="-128"/>
               </a:rPr>
-              <a:t>00</a:t>
+              <a:t>35</a:t>
             </a:r>
             <a:r>
               <a:rPr kumimoji="1" lang="ja-JP" altLang="en-US" sz="4800" dirty="0">
@@ -2060,7 +2049,7 @@
                 <a:latin typeface="ＭＳ Ｐゴシック" panose="020B0600070205080204" pitchFamily="50" charset="-128"/>
                 <a:ea typeface="ＭＳ Ｐゴシック" panose="020B0600070205080204" pitchFamily="50" charset="-128"/>
               </a:rPr>
-              <a:t>番　視覚　太郎（視覚情報処理研究室 </a:t>
+              <a:t>番　本間　三暉（視覚情報処理研究室 </a:t>
             </a:r>
             <a:r>
               <a:rPr kumimoji="1" lang="en-US" altLang="ja-JP" sz="4800" dirty="0">
@@ -2367,8 +2356,8 @@
           </p:nvSpPr>
           <p:spPr>
             <a:xfrm>
-              <a:off x="1158635" y="5466661"/>
-              <a:ext cx="11761313" cy="781752"/>
+              <a:off x="1158636" y="5466661"/>
+              <a:ext cx="11610402" cy="2266070"/>
             </a:xfrm>
             <a:prstGeom prst="rect">
               <a:avLst/>
@@ -2381,6 +2370,18 @@
             </a:bodyPr>
             <a:lstStyle/>
             <a:p>
+              <a:pPr>
+                <a:lnSpc>
+                  <a:spcPct val="120000"/>
+                </a:lnSpc>
+              </a:pPr>
+              <a:r>
+                <a:rPr kumimoji="1" lang="ja-JP" altLang="en-US" sz="4000" dirty="0"/>
+                <a:t>三次元骨格推定方法</a:t>
+              </a:r>
+              <a:endParaRPr kumimoji="1" lang="en-US" altLang="ja-JP" sz="4000" dirty="0"/>
+            </a:p>
+            <a:p>
               <a:pPr marL="571500" indent="-571500">
                 <a:lnSpc>
                   <a:spcPct val="120000"/>
@@ -2390,7 +2391,21 @@
               </a:pPr>
               <a:r>
                 <a:rPr kumimoji="1" lang="ja-JP" altLang="en-US" sz="4000" dirty="0"/>
-                <a:t>研究背景</a:t>
+                <a:t>カメラと画像処理</a:t>
+              </a:r>
+              <a:endParaRPr kumimoji="1" lang="en-US" altLang="ja-JP" sz="4000" dirty="0"/>
+            </a:p>
+            <a:p>
+              <a:pPr marL="571500" indent="-571500">
+                <a:lnSpc>
+                  <a:spcPct val="120000"/>
+                </a:lnSpc>
+                <a:buFont typeface="Arial" panose="020B0604020202020204" pitchFamily="34" charset="0"/>
+                <a:buChar char="•"/>
+              </a:pPr>
+              <a:r>
+                <a:rPr kumimoji="1" lang="ja-JP" altLang="en-US" sz="4000" dirty="0"/>
+                <a:t>モーションキャプチャデバイス</a:t>
               </a:r>
               <a:endParaRPr kumimoji="1" lang="en-US" altLang="ja-JP" sz="4000" dirty="0"/>
             </a:p>
@@ -2410,7 +2425,7 @@
           </p:nvSpPr>
           <p:spPr>
             <a:xfrm rot="5400000">
-              <a:off x="6330273" y="9047848"/>
+              <a:off x="6170778" y="9232809"/>
               <a:ext cx="1159312" cy="1573949"/>
             </a:xfrm>
             <a:prstGeom prst="rightArrow">
@@ -2444,7 +2459,7 @@
             <a:lstStyle/>
             <a:p>
               <a:pPr algn="ctr"/>
-              <a:endParaRPr kumimoji="1" lang="ja-JP" altLang="en-US"/>
+              <a:endParaRPr lang="ja-JP" altLang="en-US"/>
             </a:p>
           </p:txBody>
         </p:sp>
@@ -2462,8 +2477,8 @@
           </p:nvSpPr>
           <p:spPr>
             <a:xfrm>
-              <a:off x="1179899" y="10516899"/>
-              <a:ext cx="11761313" cy="781752"/>
+              <a:off x="1179899" y="11016207"/>
+              <a:ext cx="11761313" cy="1527406"/>
             </a:xfrm>
             <a:prstGeom prst="rect">
               <a:avLst/>
@@ -2476,16 +2491,14 @@
             </a:bodyPr>
             <a:lstStyle/>
             <a:p>
-              <a:pPr marL="571500" indent="-571500">
+              <a:pPr>
                 <a:lnSpc>
                   <a:spcPct val="120000"/>
                 </a:lnSpc>
-                <a:buFont typeface="Arial" panose="020B0604020202020204" pitchFamily="34" charset="0"/>
-                <a:buChar char="•"/>
               </a:pPr>
               <a:r>
                 <a:rPr kumimoji="1" lang="ja-JP" altLang="en-US" sz="4000" dirty="0"/>
-                <a:t>改善方法</a:t>
+                <a:t>一台のカメラと画像処理で三次元骨格推定できる方法を調査・実装・比較する</a:t>
               </a:r>
               <a:endParaRPr kumimoji="1" lang="en-US" altLang="ja-JP" sz="4000" dirty="0"/>
             </a:p>
@@ -2506,10 +2519,10 @@
         </p:nvGrpSpPr>
         <p:grpSpPr>
           <a:xfrm>
-            <a:off x="13364923" y="32380572"/>
-            <a:ext cx="12007580" cy="3756962"/>
-            <a:chOff x="13457794" y="32199597"/>
-            <a:chExt cx="12007580" cy="3756962"/>
+            <a:off x="13402806" y="32380572"/>
+            <a:ext cx="11969697" cy="3756962"/>
+            <a:chOff x="13495677" y="32199597"/>
+            <a:chExt cx="11969697" cy="3756962"/>
           </a:xfrm>
         </p:grpSpPr>
         <p:sp>
@@ -2615,7 +2628,7 @@
           </p:nvSpPr>
           <p:spPr>
             <a:xfrm>
-              <a:off x="13457794" y="32328563"/>
+              <a:off x="13495677" y="32466555"/>
               <a:ext cx="900000" cy="900000"/>
             </a:xfrm>
             <a:prstGeom prst="rect">
@@ -2707,7 +2720,7 @@
           <p:spPr>
             <a:xfrm>
               <a:off x="13690447" y="33394087"/>
-              <a:ext cx="11761313" cy="781752"/>
+              <a:ext cx="11761313" cy="2266070"/>
             </a:xfrm>
             <a:prstGeom prst="rect">
               <a:avLst/>
@@ -2728,8 +2741,30 @@
                 <a:buChar char="•"/>
               </a:pPr>
               <a:r>
+                <a:rPr kumimoji="1" lang="en-US" altLang="ja-JP" sz="4000" dirty="0"/>
+                <a:t>RGB</a:t>
+              </a:r>
+              <a:r>
+                <a:rPr kumimoji="1" lang="ja-JP" altLang="en-US" sz="4000"/>
+                <a:t>カメラにより撮影した動画からの姿勢推定</a:t>
+              </a:r>
+              <a:endParaRPr kumimoji="1" lang="en-US" altLang="ja-JP" sz="4000" dirty="0"/>
+            </a:p>
+            <a:p>
+              <a:pPr marL="571500" indent="-571500">
+                <a:lnSpc>
+                  <a:spcPct val="120000"/>
+                </a:lnSpc>
+                <a:buFont typeface="Arial" panose="020B0604020202020204" pitchFamily="34" charset="0"/>
+                <a:buChar char="•"/>
+              </a:pPr>
+              <a:r>
+                <a:rPr kumimoji="1" lang="en-US" altLang="ja-JP" sz="4000" dirty="0"/>
+                <a:t>RGBD</a:t>
+              </a:r>
+              <a:r>
                 <a:rPr kumimoji="1" lang="ja-JP" altLang="en-US" sz="4000" dirty="0"/>
-                <a:t>ほげほげ</a:t>
+                <a:t>カメラにより撮影した動画からの測定プログラムの開発・比較・分析</a:t>
               </a:r>
               <a:endParaRPr kumimoji="1" lang="en-US" altLang="ja-JP" sz="4000" dirty="0"/>
             </a:p>
@@ -2750,10 +2785,10 @@
         </p:nvGrpSpPr>
         <p:grpSpPr>
           <a:xfrm>
-            <a:off x="902359" y="13207956"/>
-            <a:ext cx="11911199" cy="8766092"/>
-            <a:chOff x="938074" y="13888436"/>
-            <a:chExt cx="11911199" cy="8766092"/>
+            <a:off x="933102" y="13435292"/>
+            <a:ext cx="11969274" cy="13256375"/>
+            <a:chOff x="968817" y="14031841"/>
+            <a:chExt cx="11969274" cy="8362160"/>
           </a:xfrm>
         </p:grpSpPr>
         <p:sp>
@@ -2770,7 +2805,7 @@
           </p:nvSpPr>
           <p:spPr>
             <a:xfrm>
-              <a:off x="969273" y="14986528"/>
+              <a:off x="968817" y="14726001"/>
               <a:ext cx="11880000" cy="7668000"/>
             </a:xfrm>
             <a:prstGeom prst="rect">
@@ -2884,10 +2919,229 @@
         </p:sp>
         <p:sp>
           <p:nvSpPr>
-            <p:cNvPr id="62" name="正方形/長方形 61">
+            <p:cNvPr id="63" name="テキスト ボックス 62">
               <a:extLst>
                 <a:ext uri="{FF2B5EF4-FFF2-40B4-BE49-F238E27FC236}">
-                  <a16:creationId xmlns:a16="http://schemas.microsoft.com/office/drawing/2014/main" id="{99EA8395-770B-4725-A018-56762DF97822}"/>
+                  <a16:creationId xmlns:a16="http://schemas.microsoft.com/office/drawing/2014/main" id="{2A6981A7-99B5-4D0D-B560-216589D04C41}"/>
+                </a:ext>
+              </a:extLst>
+            </p:cNvPr>
+            <p:cNvSpPr txBox="1"/>
+            <p:nvPr/>
+          </p:nvSpPr>
+          <p:spPr>
+            <a:xfrm>
+              <a:off x="1830687" y="14031841"/>
+              <a:ext cx="10700397" cy="1107996"/>
+            </a:xfrm>
+            <a:prstGeom prst="rect">
+              <a:avLst/>
+            </a:prstGeom>
+            <a:noFill/>
+          </p:spPr>
+          <p:txBody>
+            <a:bodyPr wrap="square" rtlCol="0">
+              <a:spAutoFit/>
+            </a:bodyPr>
+            <a:lstStyle/>
+            <a:p>
+              <a:r>
+                <a:rPr kumimoji="1" lang="ja-JP" altLang="en-US" sz="6600" dirty="0">
+                  <a:latin typeface="ＭＳ Ｐゴシック" panose="020B0600070205080204" pitchFamily="50" charset="-128"/>
+                  <a:ea typeface="ＭＳ Ｐゴシック" panose="020B0600070205080204" pitchFamily="50" charset="-128"/>
+                  <a:cs typeface="Times New Roman" panose="02020603050405020304" pitchFamily="18" charset="0"/>
+                </a:rPr>
+                <a:t>人の動作の計測方法</a:t>
+              </a:r>
+            </a:p>
+          </p:txBody>
+        </p:sp>
+        <p:sp>
+          <p:nvSpPr>
+            <p:cNvPr id="10" name="テキスト ボックス 9">
+              <a:extLst>
+                <a:ext uri="{FF2B5EF4-FFF2-40B4-BE49-F238E27FC236}">
+                  <a16:creationId xmlns:a16="http://schemas.microsoft.com/office/drawing/2014/main" id="{F3A8D77A-2FB6-DF93-57BF-E81AEB9B1AD8}"/>
+                </a:ext>
+              </a:extLst>
+            </p:cNvPr>
+            <p:cNvSpPr txBox="1"/>
+            <p:nvPr/>
+          </p:nvSpPr>
+          <p:spPr>
+            <a:xfrm>
+              <a:off x="1176778" y="20992812"/>
+              <a:ext cx="11761313" cy="1223122"/>
+            </a:xfrm>
+            <a:prstGeom prst="rect">
+              <a:avLst/>
+            </a:prstGeom>
+            <a:noFill/>
+          </p:spPr>
+          <p:txBody>
+            <a:bodyPr wrap="square" rtlCol="0">
+              <a:spAutoFit/>
+            </a:bodyPr>
+            <a:lstStyle/>
+            <a:p>
+              <a:r>
+                <a:rPr kumimoji="1" lang="ja-JP" altLang="en-US" sz="4000" dirty="0"/>
+                <a:t>一台のカメラと画像処理で三次元計測を行う場合について検証し，モーションセンサを用いて三次元計測した場合と比較</a:t>
+              </a:r>
+              <a:endParaRPr kumimoji="1" lang="en-US" altLang="ja-JP" sz="4000" dirty="0"/>
+            </a:p>
+          </p:txBody>
+        </p:sp>
+      </p:grpSp>
+      <p:grpSp>
+        <p:nvGrpSpPr>
+          <p:cNvPr id="6" name="グループ化 5">
+            <a:extLst>
+              <a:ext uri="{FF2B5EF4-FFF2-40B4-BE49-F238E27FC236}">
+                <a16:creationId xmlns:a16="http://schemas.microsoft.com/office/drawing/2014/main" id="{86804DFA-BAFB-0417-DFC9-B6B2D39681E1}"/>
+              </a:ext>
+            </a:extLst>
+          </p:cNvPr>
+          <p:cNvGrpSpPr/>
+          <p:nvPr/>
+        </p:nvGrpSpPr>
+        <p:grpSpPr>
+          <a:xfrm>
+            <a:off x="13365084" y="24119056"/>
+            <a:ext cx="11908731" cy="7985431"/>
+            <a:chOff x="13465096" y="23661674"/>
+            <a:chExt cx="11908731" cy="7561418"/>
+          </a:xfrm>
+        </p:grpSpPr>
+        <p:sp>
+          <p:nvSpPr>
+            <p:cNvPr id="125" name="テキスト ボックス 124">
+              <a:extLst>
+                <a:ext uri="{FF2B5EF4-FFF2-40B4-BE49-F238E27FC236}">
+                  <a16:creationId xmlns:a16="http://schemas.microsoft.com/office/drawing/2014/main" id="{F8AE244C-C634-FB56-B55E-F58F15C55CAC}"/>
+                </a:ext>
+              </a:extLst>
+            </p:cNvPr>
+            <p:cNvSpPr txBox="1"/>
+            <p:nvPr/>
+          </p:nvSpPr>
+          <p:spPr>
+            <a:xfrm>
+              <a:off x="13493827" y="24743092"/>
+              <a:ext cx="11880000" cy="6480000"/>
+            </a:xfrm>
+            <a:prstGeom prst="rect">
+              <a:avLst/>
+            </a:prstGeom>
+            <a:noFill/>
+            <a:ln w="79375" cap="sq">
+              <a:solidFill>
+                <a:srgbClr val="006699"/>
+              </a:solidFill>
+              <a:miter lim="800000"/>
+            </a:ln>
+          </p:spPr>
+          <p:txBody>
+            <a:bodyPr wrap="square" rtlCol="0">
+              <a:spAutoFit/>
+            </a:bodyPr>
+            <a:lstStyle/>
+            <a:p>
+              <a:pPr algn="just"/>
+              <a:endParaRPr lang="en-US" altLang="ja-JP" sz="2000" dirty="0"/>
+            </a:p>
+            <a:p>
+              <a:pPr algn="just"/>
+              <a:endParaRPr kumimoji="1" lang="en-US" altLang="ja-JP" sz="3600" dirty="0">
+                <a:latin typeface="ＭＳ Ｐゴシック" panose="020B0600070205080204" pitchFamily="50" charset="-128"/>
+                <a:ea typeface="ＭＳ Ｐゴシック" panose="020B0600070205080204" pitchFamily="50" charset="-128"/>
+              </a:endParaRPr>
+            </a:p>
+            <a:p>
+              <a:pPr algn="just"/>
+              <a:endParaRPr kumimoji="1" lang="en-US" altLang="ja-JP" sz="3600" dirty="0">
+                <a:latin typeface="ＭＳ Ｐゴシック" panose="020B0600070205080204" pitchFamily="50" charset="-128"/>
+                <a:ea typeface="ＭＳ Ｐゴシック" panose="020B0600070205080204" pitchFamily="50" charset="-128"/>
+              </a:endParaRPr>
+            </a:p>
+            <a:p>
+              <a:pPr algn="just"/>
+              <a:endParaRPr kumimoji="1" lang="en-US" altLang="ja-JP" sz="3600" dirty="0">
+                <a:latin typeface="ＭＳ Ｐゴシック" panose="020B0600070205080204" pitchFamily="50" charset="-128"/>
+                <a:ea typeface="ＭＳ Ｐゴシック" panose="020B0600070205080204" pitchFamily="50" charset="-128"/>
+              </a:endParaRPr>
+            </a:p>
+            <a:p>
+              <a:pPr algn="just"/>
+              <a:endParaRPr kumimoji="1" lang="en-US" altLang="ja-JP" sz="3600" dirty="0">
+                <a:latin typeface="ＭＳ Ｐゴシック" panose="020B0600070205080204" pitchFamily="50" charset="-128"/>
+                <a:ea typeface="ＭＳ Ｐゴシック" panose="020B0600070205080204" pitchFamily="50" charset="-128"/>
+              </a:endParaRPr>
+            </a:p>
+            <a:p>
+              <a:pPr algn="just"/>
+              <a:endParaRPr kumimoji="1" lang="en-US" altLang="ja-JP" sz="3600" dirty="0">
+                <a:latin typeface="ＭＳ Ｐゴシック" panose="020B0600070205080204" pitchFamily="50" charset="-128"/>
+                <a:ea typeface="ＭＳ Ｐゴシック" panose="020B0600070205080204" pitchFamily="50" charset="-128"/>
+              </a:endParaRPr>
+            </a:p>
+            <a:p>
+              <a:pPr algn="just"/>
+              <a:endParaRPr kumimoji="1" lang="en-US" altLang="ja-JP" sz="3600" dirty="0">
+                <a:latin typeface="ＭＳ Ｐゴシック" panose="020B0600070205080204" pitchFamily="50" charset="-128"/>
+                <a:ea typeface="ＭＳ Ｐゴシック" panose="020B0600070205080204" pitchFamily="50" charset="-128"/>
+              </a:endParaRPr>
+            </a:p>
+            <a:p>
+              <a:pPr algn="just"/>
+              <a:endParaRPr kumimoji="1" lang="en-US" altLang="ja-JP" sz="3600" dirty="0">
+                <a:latin typeface="ＭＳ Ｐゴシック" panose="020B0600070205080204" pitchFamily="50" charset="-128"/>
+                <a:ea typeface="ＭＳ Ｐゴシック" panose="020B0600070205080204" pitchFamily="50" charset="-128"/>
+              </a:endParaRPr>
+            </a:p>
+            <a:p>
+              <a:pPr algn="just"/>
+              <a:endParaRPr kumimoji="1" lang="en-US" altLang="ja-JP" sz="3600" dirty="0">
+                <a:latin typeface="ＭＳ Ｐゴシック" panose="020B0600070205080204" pitchFamily="50" charset="-128"/>
+                <a:ea typeface="ＭＳ Ｐゴシック" panose="020B0600070205080204" pitchFamily="50" charset="-128"/>
+              </a:endParaRPr>
+            </a:p>
+            <a:p>
+              <a:pPr algn="just"/>
+              <a:endParaRPr kumimoji="1" lang="en-US" altLang="ja-JP" sz="3600" dirty="0">
+                <a:latin typeface="ＭＳ Ｐゴシック" panose="020B0600070205080204" pitchFamily="50" charset="-128"/>
+                <a:ea typeface="ＭＳ Ｐゴシック" panose="020B0600070205080204" pitchFamily="50" charset="-128"/>
+              </a:endParaRPr>
+            </a:p>
+            <a:p>
+              <a:pPr algn="just"/>
+              <a:endParaRPr kumimoji="1" lang="en-US" altLang="ja-JP" sz="3600" dirty="0">
+                <a:latin typeface="ＭＳ Ｐゴシック" panose="020B0600070205080204" pitchFamily="50" charset="-128"/>
+                <a:ea typeface="ＭＳ Ｐゴシック" panose="020B0600070205080204" pitchFamily="50" charset="-128"/>
+              </a:endParaRPr>
+            </a:p>
+            <a:p>
+              <a:pPr algn="just"/>
+              <a:endParaRPr kumimoji="1" lang="en-US" altLang="ja-JP" sz="3600" dirty="0">
+                <a:latin typeface="ＭＳ Ｐゴシック" panose="020B0600070205080204" pitchFamily="50" charset="-128"/>
+                <a:ea typeface="ＭＳ Ｐゴシック" panose="020B0600070205080204" pitchFamily="50" charset="-128"/>
+              </a:endParaRPr>
+            </a:p>
+            <a:p>
+              <a:pPr algn="just"/>
+              <a:endParaRPr kumimoji="1" lang="en-US" altLang="ja-JP" sz="3600" dirty="0">
+                <a:latin typeface="ＭＳ Ｐゴシック" panose="020B0600070205080204" pitchFamily="50" charset="-128"/>
+                <a:ea typeface="ＭＳ Ｐゴシック" panose="020B0600070205080204" pitchFamily="50" charset="-128"/>
+              </a:endParaRPr>
+            </a:p>
+          </p:txBody>
+        </p:sp>
+        <p:sp>
+          <p:nvSpPr>
+            <p:cNvPr id="126" name="正方形/長方形 125">
+              <a:extLst>
+                <a:ext uri="{FF2B5EF4-FFF2-40B4-BE49-F238E27FC236}">
+                  <a16:creationId xmlns:a16="http://schemas.microsoft.com/office/drawing/2014/main" id="{4FB10CBB-62F9-657F-71E8-5D9FD03E2F74}"/>
                 </a:ext>
               </a:extLst>
             </p:cNvPr>
@@ -2898,7 +3152,7 @@
           </p:nvSpPr>
           <p:spPr>
             <a:xfrm>
-              <a:off x="938074" y="14049202"/>
+              <a:off x="13465096" y="23804764"/>
               <a:ext cx="900000" cy="900000"/>
             </a:xfrm>
             <a:prstGeom prst="rect">
@@ -2938,324 +3192,6 @@
         </p:sp>
         <p:sp>
           <p:nvSpPr>
-            <p:cNvPr id="63" name="テキスト ボックス 62">
-              <a:extLst>
-                <a:ext uri="{FF2B5EF4-FFF2-40B4-BE49-F238E27FC236}">
-                  <a16:creationId xmlns:a16="http://schemas.microsoft.com/office/drawing/2014/main" id="{2A6981A7-99B5-4D0D-B560-216589D04C41}"/>
-                </a:ext>
-              </a:extLst>
-            </p:cNvPr>
-            <p:cNvSpPr txBox="1"/>
-            <p:nvPr/>
-          </p:nvSpPr>
-          <p:spPr>
-            <a:xfrm>
-              <a:off x="1826702" y="13888436"/>
-              <a:ext cx="10700397" cy="1107996"/>
-            </a:xfrm>
-            <a:prstGeom prst="rect">
-              <a:avLst/>
-            </a:prstGeom>
-            <a:noFill/>
-          </p:spPr>
-          <p:txBody>
-            <a:bodyPr wrap="square" rtlCol="0">
-              <a:spAutoFit/>
-            </a:bodyPr>
-            <a:lstStyle/>
-            <a:p>
-              <a:r>
-                <a:rPr kumimoji="1" lang="en-US" altLang="ja-JP" sz="6600" dirty="0">
-                  <a:latin typeface="ＭＳ Ｐゴシック" panose="020B0600070205080204" pitchFamily="50" charset="-128"/>
-                  <a:ea typeface="ＭＳ Ｐゴシック" panose="020B0600070205080204" pitchFamily="50" charset="-128"/>
-                  <a:cs typeface="Times New Roman" panose="02020603050405020304" pitchFamily="18" charset="0"/>
-                </a:rPr>
-                <a:t>2</a:t>
-              </a:r>
-              <a:r>
-                <a:rPr kumimoji="1" lang="ja-JP" altLang="en-US" sz="6600" dirty="0">
-                  <a:latin typeface="ＭＳ Ｐゴシック" panose="020B0600070205080204" pitchFamily="50" charset="-128"/>
-                  <a:ea typeface="ＭＳ Ｐゴシック" panose="020B0600070205080204" pitchFamily="50" charset="-128"/>
-                  <a:cs typeface="Times New Roman" panose="02020603050405020304" pitchFamily="18" charset="0"/>
-                </a:rPr>
-                <a:t>節に書いたこと</a:t>
-              </a:r>
-              <a:r>
-                <a:rPr kumimoji="1" lang="en-US" altLang="ja-JP" sz="6600" dirty="0">
-                  <a:latin typeface="ＭＳ Ｐゴシック" panose="020B0600070205080204" pitchFamily="50" charset="-128"/>
-                  <a:ea typeface="ＭＳ Ｐゴシック" panose="020B0600070205080204" pitchFamily="50" charset="-128"/>
-                  <a:cs typeface="Times New Roman" panose="02020603050405020304" pitchFamily="18" charset="0"/>
-                </a:rPr>
-                <a:t>1</a:t>
-              </a:r>
-              <a:endParaRPr kumimoji="1" lang="ja-JP" altLang="en-US" sz="6600" dirty="0">
-                <a:latin typeface="ＭＳ Ｐゴシック" panose="020B0600070205080204" pitchFamily="50" charset="-128"/>
-                <a:ea typeface="ＭＳ Ｐゴシック" panose="020B0600070205080204" pitchFamily="50" charset="-128"/>
-                <a:cs typeface="Times New Roman" panose="02020603050405020304" pitchFamily="18" charset="0"/>
-              </a:endParaRPr>
-            </a:p>
-          </p:txBody>
-        </p:sp>
-        <p:sp>
-          <p:nvSpPr>
-            <p:cNvPr id="10" name="テキスト ボックス 9">
-              <a:extLst>
-                <a:ext uri="{FF2B5EF4-FFF2-40B4-BE49-F238E27FC236}">
-                  <a16:creationId xmlns:a16="http://schemas.microsoft.com/office/drawing/2014/main" id="{F3A8D77A-2FB6-DF93-57BF-E81AEB9B1AD8}"/>
-                </a:ext>
-              </a:extLst>
-            </p:cNvPr>
-            <p:cNvSpPr txBox="1"/>
-            <p:nvPr/>
-          </p:nvSpPr>
-          <p:spPr>
-            <a:xfrm>
-              <a:off x="1017427" y="15170674"/>
-              <a:ext cx="11761313" cy="5632311"/>
-            </a:xfrm>
-            <a:prstGeom prst="rect">
-              <a:avLst/>
-            </a:prstGeom>
-            <a:noFill/>
-          </p:spPr>
-          <p:txBody>
-            <a:bodyPr wrap="square" rtlCol="0">
-              <a:spAutoFit/>
-            </a:bodyPr>
-            <a:lstStyle/>
-            <a:p>
-              <a:r>
-                <a:rPr kumimoji="1" lang="ja-JP" altLang="en-US" sz="4000"/>
-                <a:t>ほげ</a:t>
-              </a:r>
-              <a:endParaRPr kumimoji="1" lang="en-US" altLang="ja-JP" sz="4000" dirty="0"/>
-            </a:p>
-            <a:p>
-              <a:endParaRPr kumimoji="1" lang="en-US" altLang="ja-JP" sz="4000" dirty="0"/>
-            </a:p>
-            <a:p>
-              <a:endParaRPr kumimoji="1" lang="en-US" altLang="ja-JP" sz="4000" dirty="0"/>
-            </a:p>
-            <a:p>
-              <a:endParaRPr kumimoji="1" lang="en-US" altLang="ja-JP" sz="4000" dirty="0"/>
-            </a:p>
-            <a:p>
-              <a:endParaRPr kumimoji="1" lang="en-US" altLang="ja-JP" sz="4000" dirty="0"/>
-            </a:p>
-            <a:p>
-              <a:endParaRPr kumimoji="1" lang="en-US" altLang="ja-JP" sz="4000" dirty="0"/>
-            </a:p>
-            <a:p>
-              <a:endParaRPr kumimoji="1" lang="en-US" altLang="ja-JP" sz="4000" dirty="0"/>
-            </a:p>
-            <a:p>
-              <a:endParaRPr kumimoji="1" lang="en-US" altLang="ja-JP" sz="4000" dirty="0"/>
-            </a:p>
-            <a:p>
-              <a:endParaRPr kumimoji="1" lang="en-US" altLang="ja-JP" sz="4000" dirty="0"/>
-            </a:p>
-          </p:txBody>
-        </p:sp>
-      </p:grpSp>
-      <p:grpSp>
-        <p:nvGrpSpPr>
-          <p:cNvPr id="6" name="グループ化 5">
-            <a:extLst>
-              <a:ext uri="{FF2B5EF4-FFF2-40B4-BE49-F238E27FC236}">
-                <a16:creationId xmlns:a16="http://schemas.microsoft.com/office/drawing/2014/main" id="{86804DFA-BAFB-0417-DFC9-B6B2D39681E1}"/>
-              </a:ext>
-            </a:extLst>
-          </p:cNvPr>
-          <p:cNvGrpSpPr/>
-          <p:nvPr/>
-        </p:nvGrpSpPr>
-        <p:grpSpPr>
-          <a:xfrm>
-            <a:off x="13365084" y="24543068"/>
-            <a:ext cx="11908731" cy="7561417"/>
-            <a:chOff x="13465096" y="23661676"/>
-            <a:chExt cx="11908731" cy="7561417"/>
-          </a:xfrm>
-        </p:grpSpPr>
-        <p:sp>
-          <p:nvSpPr>
-            <p:cNvPr id="125" name="テキスト ボックス 124">
-              <a:extLst>
-                <a:ext uri="{FF2B5EF4-FFF2-40B4-BE49-F238E27FC236}">
-                  <a16:creationId xmlns:a16="http://schemas.microsoft.com/office/drawing/2014/main" id="{F8AE244C-C634-FB56-B55E-F58F15C55CAC}"/>
-                </a:ext>
-              </a:extLst>
-            </p:cNvPr>
-            <p:cNvSpPr txBox="1"/>
-            <p:nvPr/>
-          </p:nvSpPr>
-          <p:spPr>
-            <a:xfrm>
-              <a:off x="13493827" y="24743093"/>
-              <a:ext cx="11880000" cy="6480000"/>
-            </a:xfrm>
-            <a:prstGeom prst="rect">
-              <a:avLst/>
-            </a:prstGeom>
-            <a:noFill/>
-            <a:ln w="79375" cap="sq">
-              <a:solidFill>
-                <a:srgbClr val="006699"/>
-              </a:solidFill>
-              <a:miter lim="800000"/>
-            </a:ln>
-          </p:spPr>
-          <p:txBody>
-            <a:bodyPr wrap="square" rtlCol="0">
-              <a:spAutoFit/>
-            </a:bodyPr>
-            <a:lstStyle/>
-            <a:p>
-              <a:pPr algn="just"/>
-              <a:endParaRPr lang="en-US" altLang="ja-JP" sz="2000" dirty="0"/>
-            </a:p>
-            <a:p>
-              <a:pPr algn="just"/>
-              <a:endParaRPr kumimoji="1" lang="en-US" altLang="ja-JP" sz="3600" dirty="0">
-                <a:latin typeface="ＭＳ Ｐゴシック" panose="020B0600070205080204" pitchFamily="50" charset="-128"/>
-                <a:ea typeface="ＭＳ Ｐゴシック" panose="020B0600070205080204" pitchFamily="50" charset="-128"/>
-              </a:endParaRPr>
-            </a:p>
-            <a:p>
-              <a:pPr algn="just"/>
-              <a:endParaRPr kumimoji="1" lang="en-US" altLang="ja-JP" sz="3600" dirty="0">
-                <a:latin typeface="ＭＳ Ｐゴシック" panose="020B0600070205080204" pitchFamily="50" charset="-128"/>
-                <a:ea typeface="ＭＳ Ｐゴシック" panose="020B0600070205080204" pitchFamily="50" charset="-128"/>
-              </a:endParaRPr>
-            </a:p>
-            <a:p>
-              <a:pPr algn="just"/>
-              <a:endParaRPr kumimoji="1" lang="en-US" altLang="ja-JP" sz="3600" dirty="0">
-                <a:latin typeface="ＭＳ Ｐゴシック" panose="020B0600070205080204" pitchFamily="50" charset="-128"/>
-                <a:ea typeface="ＭＳ Ｐゴシック" panose="020B0600070205080204" pitchFamily="50" charset="-128"/>
-              </a:endParaRPr>
-            </a:p>
-            <a:p>
-              <a:pPr algn="just"/>
-              <a:endParaRPr kumimoji="1" lang="en-US" altLang="ja-JP" sz="3600" dirty="0">
-                <a:latin typeface="ＭＳ Ｐゴシック" panose="020B0600070205080204" pitchFamily="50" charset="-128"/>
-                <a:ea typeface="ＭＳ Ｐゴシック" panose="020B0600070205080204" pitchFamily="50" charset="-128"/>
-              </a:endParaRPr>
-            </a:p>
-            <a:p>
-              <a:pPr algn="just"/>
-              <a:endParaRPr kumimoji="1" lang="en-US" altLang="ja-JP" sz="3600" dirty="0">
-                <a:latin typeface="ＭＳ Ｐゴシック" panose="020B0600070205080204" pitchFamily="50" charset="-128"/>
-                <a:ea typeface="ＭＳ Ｐゴシック" panose="020B0600070205080204" pitchFamily="50" charset="-128"/>
-              </a:endParaRPr>
-            </a:p>
-            <a:p>
-              <a:pPr algn="just"/>
-              <a:endParaRPr kumimoji="1" lang="en-US" altLang="ja-JP" sz="3600" dirty="0">
-                <a:latin typeface="ＭＳ Ｐゴシック" panose="020B0600070205080204" pitchFamily="50" charset="-128"/>
-                <a:ea typeface="ＭＳ Ｐゴシック" panose="020B0600070205080204" pitchFamily="50" charset="-128"/>
-              </a:endParaRPr>
-            </a:p>
-            <a:p>
-              <a:pPr algn="just"/>
-              <a:endParaRPr kumimoji="1" lang="en-US" altLang="ja-JP" sz="3600" dirty="0">
-                <a:latin typeface="ＭＳ Ｐゴシック" panose="020B0600070205080204" pitchFamily="50" charset="-128"/>
-                <a:ea typeface="ＭＳ Ｐゴシック" panose="020B0600070205080204" pitchFamily="50" charset="-128"/>
-              </a:endParaRPr>
-            </a:p>
-            <a:p>
-              <a:pPr algn="just"/>
-              <a:endParaRPr kumimoji="1" lang="en-US" altLang="ja-JP" sz="3600" dirty="0">
-                <a:latin typeface="ＭＳ Ｐゴシック" panose="020B0600070205080204" pitchFamily="50" charset="-128"/>
-                <a:ea typeface="ＭＳ Ｐゴシック" panose="020B0600070205080204" pitchFamily="50" charset="-128"/>
-              </a:endParaRPr>
-            </a:p>
-            <a:p>
-              <a:pPr algn="just"/>
-              <a:endParaRPr kumimoji="1" lang="en-US" altLang="ja-JP" sz="3600" dirty="0">
-                <a:latin typeface="ＭＳ Ｐゴシック" panose="020B0600070205080204" pitchFamily="50" charset="-128"/>
-                <a:ea typeface="ＭＳ Ｐゴシック" panose="020B0600070205080204" pitchFamily="50" charset="-128"/>
-              </a:endParaRPr>
-            </a:p>
-            <a:p>
-              <a:pPr algn="just"/>
-              <a:endParaRPr kumimoji="1" lang="en-US" altLang="ja-JP" sz="3600" dirty="0">
-                <a:latin typeface="ＭＳ Ｐゴシック" panose="020B0600070205080204" pitchFamily="50" charset="-128"/>
-                <a:ea typeface="ＭＳ Ｐゴシック" panose="020B0600070205080204" pitchFamily="50" charset="-128"/>
-              </a:endParaRPr>
-            </a:p>
-            <a:p>
-              <a:pPr algn="just"/>
-              <a:endParaRPr kumimoji="1" lang="en-US" altLang="ja-JP" sz="3600" dirty="0">
-                <a:latin typeface="ＭＳ Ｐゴシック" panose="020B0600070205080204" pitchFamily="50" charset="-128"/>
-                <a:ea typeface="ＭＳ Ｐゴシック" panose="020B0600070205080204" pitchFamily="50" charset="-128"/>
-              </a:endParaRPr>
-            </a:p>
-            <a:p>
-              <a:pPr algn="just"/>
-              <a:endParaRPr kumimoji="1" lang="en-US" altLang="ja-JP" sz="3600" dirty="0">
-                <a:latin typeface="ＭＳ Ｐゴシック" panose="020B0600070205080204" pitchFamily="50" charset="-128"/>
-                <a:ea typeface="ＭＳ Ｐゴシック" panose="020B0600070205080204" pitchFamily="50" charset="-128"/>
-              </a:endParaRPr>
-            </a:p>
-          </p:txBody>
-        </p:sp>
-        <p:sp>
-          <p:nvSpPr>
-            <p:cNvPr id="126" name="正方形/長方形 125">
-              <a:extLst>
-                <a:ext uri="{FF2B5EF4-FFF2-40B4-BE49-F238E27FC236}">
-                  <a16:creationId xmlns:a16="http://schemas.microsoft.com/office/drawing/2014/main" id="{4FB10CBB-62F9-657F-71E8-5D9FD03E2F74}"/>
-                </a:ext>
-              </a:extLst>
-            </p:cNvPr>
-            <p:cNvSpPr>
-              <a:spLocks noChangeAspect="1"/>
-            </p:cNvSpPr>
-            <p:nvPr/>
-          </p:nvSpPr>
-          <p:spPr>
-            <a:xfrm>
-              <a:off x="13465096" y="23804767"/>
-              <a:ext cx="900000" cy="900000"/>
-            </a:xfrm>
-            <a:prstGeom prst="rect">
-              <a:avLst/>
-            </a:prstGeom>
-            <a:solidFill>
-              <a:srgbClr val="FF3301"/>
-            </a:solidFill>
-            <a:ln>
-              <a:noFill/>
-            </a:ln>
-          </p:spPr>
-          <p:style>
-            <a:lnRef idx="2">
-              <a:schemeClr val="accent1">
-                <a:shade val="50000"/>
-              </a:schemeClr>
-            </a:lnRef>
-            <a:fillRef idx="1">
-              <a:schemeClr val="accent1"/>
-            </a:fillRef>
-            <a:effectRef idx="0">
-              <a:schemeClr val="accent1"/>
-            </a:effectRef>
-            <a:fontRef idx="minor">
-              <a:schemeClr val="lt1"/>
-            </a:fontRef>
-          </p:style>
-          <p:txBody>
-            <a:bodyPr rtlCol="0" anchor="ctr"/>
-            <a:lstStyle/>
-            <a:p>
-              <a:pPr algn="ctr"/>
-              <a:endParaRPr kumimoji="1" lang="ja-JP" altLang="en-US" dirty="0"/>
-            </a:p>
-          </p:txBody>
-        </p:sp>
-        <p:sp>
-          <p:nvSpPr>
             <p:cNvPr id="127" name="テキスト ボックス 126">
               <a:extLst>
                 <a:ext uri="{FF2B5EF4-FFF2-40B4-BE49-F238E27FC236}">
@@ -3268,8 +3204,8 @@
           </p:nvSpPr>
           <p:spPr>
             <a:xfrm>
-              <a:off x="14367620" y="23661676"/>
-              <a:ext cx="8993403" cy="1107996"/>
+              <a:off x="14367620" y="23661674"/>
+              <a:ext cx="10605759" cy="1049163"/>
             </a:xfrm>
             <a:prstGeom prst="rect">
               <a:avLst/>
@@ -3283,34 +3219,13 @@
             <a:lstStyle/>
             <a:p>
               <a:r>
-                <a:rPr kumimoji="1" lang="en-US" altLang="ja-JP" sz="6600" dirty="0">
-                  <a:latin typeface="ＭＳ Ｐゴシック" panose="020B0600070205080204" pitchFamily="50" charset="-128"/>
-                  <a:ea typeface="ＭＳ Ｐゴシック" panose="020B0600070205080204" pitchFamily="50" charset="-128"/>
-                  <a:cs typeface="Times New Roman" panose="02020603050405020304" pitchFamily="18" charset="0"/>
-                </a:rPr>
-                <a:t>2</a:t>
-              </a:r>
-              <a:r>
                 <a:rPr kumimoji="1" lang="ja-JP" altLang="en-US" sz="6600" dirty="0">
                   <a:latin typeface="ＭＳ Ｐゴシック" panose="020B0600070205080204" pitchFamily="50" charset="-128"/>
                   <a:ea typeface="ＭＳ Ｐゴシック" panose="020B0600070205080204" pitchFamily="50" charset="-128"/>
                   <a:cs typeface="Times New Roman" panose="02020603050405020304" pitchFamily="18" charset="0"/>
                 </a:rPr>
-                <a:t>節に書いたこと</a:t>
+                <a:t>画像処理データの比較方法</a:t>
               </a:r>
-              <a:r>
-                <a:rPr kumimoji="1" lang="en-US" altLang="ja-JP" sz="6600" dirty="0">
-                  <a:latin typeface="ＭＳ Ｐゴシック" panose="020B0600070205080204" pitchFamily="50" charset="-128"/>
-                  <a:ea typeface="ＭＳ Ｐゴシック" panose="020B0600070205080204" pitchFamily="50" charset="-128"/>
-                  <a:cs typeface="Times New Roman" panose="02020603050405020304" pitchFamily="18" charset="0"/>
-                </a:rPr>
-                <a:t>4</a:t>
-              </a:r>
-              <a:endParaRPr kumimoji="1" lang="ja-JP" altLang="en-US" sz="6600" dirty="0">
-                <a:latin typeface="ＭＳ Ｐゴシック" panose="020B0600070205080204" pitchFamily="50" charset="-128"/>
-                <a:ea typeface="ＭＳ Ｐゴシック" panose="020B0600070205080204" pitchFamily="50" charset="-128"/>
-                <a:cs typeface="Times New Roman" panose="02020603050405020304" pitchFamily="18" charset="0"/>
-              </a:endParaRPr>
             </a:p>
           </p:txBody>
         </p:sp>
@@ -3328,8 +3243,8 @@
           </p:nvSpPr>
           <p:spPr>
             <a:xfrm>
-              <a:off x="13657057" y="24925539"/>
-              <a:ext cx="11618617" cy="781752"/>
+              <a:off x="13697588" y="24923705"/>
+              <a:ext cx="11480332" cy="746861"/>
             </a:xfrm>
             <a:prstGeom prst="rect">
               <a:avLst/>
@@ -3349,7 +3264,7 @@
               </a:pPr>
               <a:r>
                 <a:rPr kumimoji="1" lang="ja-JP" altLang="en-US" sz="4000" dirty="0"/>
-                <a:t>ほげほげ</a:t>
+                <a:t>全身運動をしている人物一人に対して計測を行う</a:t>
               </a:r>
               <a:endParaRPr kumimoji="1" lang="en-US" altLang="ja-JP" sz="4000" dirty="0"/>
             </a:p>
@@ -3370,10 +3285,10 @@
         </p:nvGrpSpPr>
         <p:grpSpPr>
           <a:xfrm>
-            <a:off x="13394939" y="4205050"/>
-            <a:ext cx="11812254" cy="19900937"/>
-            <a:chOff x="1017009" y="4299311"/>
-            <a:chExt cx="11924203" cy="7982608"/>
+            <a:off x="13393815" y="4205050"/>
+            <a:ext cx="11768467" cy="19433511"/>
+            <a:chOff x="1015874" y="4299311"/>
+            <a:chExt cx="11880000" cy="8055363"/>
           </a:xfrm>
         </p:grpSpPr>
         <p:sp>
@@ -3390,7 +3305,7 @@
           </p:nvSpPr>
           <p:spPr>
             <a:xfrm>
-              <a:off x="1017009" y="4721919"/>
+              <a:off x="1015874" y="4794674"/>
               <a:ext cx="11880000" cy="7560000"/>
             </a:xfrm>
             <a:prstGeom prst="rect">
@@ -3503,7 +3418,7 @@
           <p:spPr>
             <a:xfrm>
               <a:off x="1933480" y="4299311"/>
-              <a:ext cx="7118652" cy="444436"/>
+              <a:ext cx="9699818" cy="444436"/>
             </a:xfrm>
             <a:prstGeom prst="rect">
               <a:avLst/>
@@ -3522,7 +3437,7 @@
                   <a:ea typeface="ＭＳ Ｐゴシック" panose="020B0600070205080204" pitchFamily="50" charset="-128"/>
                   <a:cs typeface="Times New Roman" panose="02020603050405020304" pitchFamily="18" charset="0"/>
                 </a:rPr>
-                <a:t>2</a:t>
+                <a:t>RGBD</a:t>
               </a:r>
               <a:r>
                 <a:rPr kumimoji="1" lang="ja-JP" altLang="en-US" sz="6600" dirty="0">
@@ -3530,21 +3445,8 @@
                   <a:ea typeface="ＭＳ Ｐゴシック" panose="020B0600070205080204" pitchFamily="50" charset="-128"/>
                   <a:cs typeface="Times New Roman" panose="02020603050405020304" pitchFamily="18" charset="0"/>
                 </a:rPr>
-                <a:t>節に書いたこと</a:t>
+                <a:t>カメラの計測方法</a:t>
               </a:r>
-              <a:r>
-                <a:rPr kumimoji="1" lang="en-US" altLang="ja-JP" sz="6600" dirty="0">
-                  <a:latin typeface="ＭＳ Ｐゴシック" panose="020B0600070205080204" pitchFamily="50" charset="-128"/>
-                  <a:ea typeface="ＭＳ Ｐゴシック" panose="020B0600070205080204" pitchFamily="50" charset="-128"/>
-                  <a:cs typeface="Times New Roman" panose="02020603050405020304" pitchFamily="18" charset="0"/>
-                </a:rPr>
-                <a:t>3</a:t>
-              </a:r>
-              <a:endParaRPr kumimoji="1" lang="ja-JP" altLang="en-US" sz="6600" dirty="0">
-                <a:latin typeface="ＭＳ Ｐゴシック" panose="020B0600070205080204" pitchFamily="50" charset="-128"/>
-                <a:ea typeface="ＭＳ Ｐゴシック" panose="020B0600070205080204" pitchFamily="50" charset="-128"/>
-                <a:cs typeface="Times New Roman" panose="02020603050405020304" pitchFamily="18" charset="0"/>
-              </a:endParaRPr>
             </a:p>
           </p:txBody>
         </p:sp>
@@ -3562,8 +3464,8 @@
           </p:nvSpPr>
           <p:spPr>
             <a:xfrm>
-              <a:off x="1158635" y="5466661"/>
-              <a:ext cx="11761313" cy="383751"/>
+              <a:off x="1565900" y="4957132"/>
+              <a:ext cx="10892538" cy="939306"/>
             </a:xfrm>
             <a:prstGeom prst="rect">
               <a:avLst/>
@@ -3576,59 +3478,14 @@
             </a:bodyPr>
             <a:lstStyle/>
             <a:p>
-              <a:pPr marL="571500" indent="-571500">
+              <a:pPr>
                 <a:lnSpc>
                   <a:spcPct val="120000"/>
                 </a:lnSpc>
-                <a:buFont typeface="Arial" panose="020B0604020202020204" pitchFamily="34" charset="0"/>
-                <a:buChar char="•"/>
               </a:pPr>
               <a:r>
                 <a:rPr kumimoji="1" lang="ja-JP" altLang="en-US" sz="4000" dirty="0"/>
-                <a:t>書いたこと</a:t>
-              </a:r>
-              <a:endParaRPr kumimoji="1" lang="en-US" altLang="ja-JP" sz="4000" dirty="0"/>
-            </a:p>
-          </p:txBody>
-        </p:sp>
-        <p:sp>
-          <p:nvSpPr>
-            <p:cNvPr id="29" name="テキスト ボックス 28">
-              <a:extLst>
-                <a:ext uri="{FF2B5EF4-FFF2-40B4-BE49-F238E27FC236}">
-                  <a16:creationId xmlns:a16="http://schemas.microsoft.com/office/drawing/2014/main" id="{4762A495-FFAB-C51C-DC59-158077E44BAD}"/>
-                </a:ext>
-              </a:extLst>
-            </p:cNvPr>
-            <p:cNvSpPr txBox="1"/>
-            <p:nvPr/>
-          </p:nvSpPr>
-          <p:spPr>
-            <a:xfrm>
-              <a:off x="1179899" y="10516899"/>
-              <a:ext cx="11761313" cy="380350"/>
-            </a:xfrm>
-            <a:prstGeom prst="rect">
-              <a:avLst/>
-            </a:prstGeom>
-            <a:noFill/>
-          </p:spPr>
-          <p:txBody>
-            <a:bodyPr wrap="square" rtlCol="0">
-              <a:spAutoFit/>
-            </a:bodyPr>
-            <a:lstStyle/>
-            <a:p>
-              <a:pPr marL="571500" indent="-571500">
-                <a:lnSpc>
-                  <a:spcPct val="120000"/>
-                </a:lnSpc>
-                <a:buFont typeface="Arial" panose="020B0604020202020204" pitchFamily="34" charset="0"/>
-                <a:buChar char="•"/>
-              </a:pPr>
-              <a:r>
-                <a:rPr kumimoji="1" lang="ja-JP" altLang="en-US" sz="4000" dirty="0"/>
-                <a:t>予稿に書いたこと</a:t>
+                <a:t>開発ライブラリにデバイス専用のソフトウェアやオープンソースを用いて処理することでアプリケーションを作成できる</a:t>
               </a:r>
               <a:endParaRPr kumimoji="1" lang="en-US" altLang="ja-JP" sz="4000" dirty="0"/>
             </a:p>
@@ -3703,10 +3560,10 @@
         </p:nvGrpSpPr>
         <p:grpSpPr>
           <a:xfrm>
-            <a:off x="1012558" y="22516004"/>
-            <a:ext cx="11881818" cy="13125702"/>
-            <a:chOff x="946785" y="4244997"/>
-            <a:chExt cx="11994427" cy="8353017"/>
+            <a:off x="1012558" y="27181037"/>
+            <a:ext cx="11768466" cy="8956497"/>
+            <a:chOff x="946785" y="3958835"/>
+            <a:chExt cx="11880000" cy="8639179"/>
           </a:xfrm>
         </p:grpSpPr>
         <p:sp>
@@ -3835,8 +3692,8 @@
           </p:nvSpPr>
           <p:spPr>
             <a:xfrm>
-              <a:off x="1851235" y="4244997"/>
-              <a:ext cx="7623579" cy="705113"/>
+              <a:off x="2088209" y="3958835"/>
+              <a:ext cx="10373837" cy="1068741"/>
             </a:xfrm>
             <a:prstGeom prst="rect">
               <a:avLst/>
@@ -3855,7 +3712,7 @@
                   <a:ea typeface="ＭＳ Ｐゴシック" panose="020B0600070205080204" pitchFamily="50" charset="-128"/>
                   <a:cs typeface="Times New Roman" panose="02020603050405020304" pitchFamily="18" charset="0"/>
                 </a:rPr>
-                <a:t>2</a:t>
+                <a:t>RGB </a:t>
               </a:r>
               <a:r>
                 <a:rPr kumimoji="1" lang="ja-JP" altLang="en-US" sz="6600" dirty="0">
@@ -3863,111 +3720,1005 @@
                   <a:ea typeface="ＭＳ Ｐゴシック" panose="020B0600070205080204" pitchFamily="50" charset="-128"/>
                   <a:cs typeface="Times New Roman" panose="02020603050405020304" pitchFamily="18" charset="0"/>
                 </a:rPr>
-                <a:t>節に書いたこと</a:t>
+                <a:t>カメラ一台の計測方法</a:t>
               </a:r>
-              <a:r>
-                <a:rPr kumimoji="1" lang="en-US" altLang="ja-JP" sz="6600" dirty="0">
-                  <a:latin typeface="ＭＳ Ｐゴシック" panose="020B0600070205080204" pitchFamily="50" charset="-128"/>
-                  <a:ea typeface="ＭＳ Ｐゴシック" panose="020B0600070205080204" pitchFamily="50" charset="-128"/>
-                  <a:cs typeface="Times New Roman" panose="02020603050405020304" pitchFamily="18" charset="0"/>
-                </a:rPr>
-                <a:t>2</a:t>
-              </a:r>
-              <a:endParaRPr kumimoji="1" lang="ja-JP" altLang="en-US" sz="6600" dirty="0">
-                <a:latin typeface="ＭＳ Ｐゴシック" panose="020B0600070205080204" pitchFamily="50" charset="-128"/>
-                <a:ea typeface="ＭＳ Ｐゴシック" panose="020B0600070205080204" pitchFamily="50" charset="-128"/>
-                <a:cs typeface="Times New Roman" panose="02020603050405020304" pitchFamily="18" charset="0"/>
-              </a:endParaRPr>
-            </a:p>
-          </p:txBody>
-        </p:sp>
-        <p:sp>
-          <p:nvSpPr>
-            <p:cNvPr id="57" name="テキスト ボックス 56">
-              <a:extLst>
-                <a:ext uri="{FF2B5EF4-FFF2-40B4-BE49-F238E27FC236}">
-                  <a16:creationId xmlns:a16="http://schemas.microsoft.com/office/drawing/2014/main" id="{E1396631-3DE3-06ED-0355-95FC626EBB60}"/>
-                </a:ext>
-              </a:extLst>
-            </p:cNvPr>
-            <p:cNvSpPr txBox="1"/>
-            <p:nvPr/>
-          </p:nvSpPr>
-          <p:spPr>
-            <a:xfrm>
-              <a:off x="1158635" y="5466661"/>
-              <a:ext cx="11761313" cy="501945"/>
-            </a:xfrm>
-            <a:prstGeom prst="rect">
-              <a:avLst/>
-            </a:prstGeom>
-            <a:noFill/>
-          </p:spPr>
-          <p:txBody>
-            <a:bodyPr wrap="square" rtlCol="0">
-              <a:spAutoFit/>
-            </a:bodyPr>
-            <a:lstStyle/>
-            <a:p>
-              <a:pPr marL="571500" indent="-571500">
-                <a:lnSpc>
-                  <a:spcPct val="120000"/>
-                </a:lnSpc>
-                <a:buFont typeface="Arial" panose="020B0604020202020204" pitchFamily="34" charset="0"/>
-                <a:buChar char="•"/>
-              </a:pPr>
-              <a:r>
-                <a:rPr kumimoji="1" lang="ja-JP" altLang="en-US" sz="4000" dirty="0"/>
-                <a:t>ほげほげ</a:t>
-              </a:r>
-              <a:endParaRPr kumimoji="1" lang="en-US" altLang="ja-JP" sz="4000" dirty="0"/>
-            </a:p>
-          </p:txBody>
-        </p:sp>
-        <p:sp>
-          <p:nvSpPr>
-            <p:cNvPr id="64" name="テキスト ボックス 63">
-              <a:extLst>
-                <a:ext uri="{FF2B5EF4-FFF2-40B4-BE49-F238E27FC236}">
-                  <a16:creationId xmlns:a16="http://schemas.microsoft.com/office/drawing/2014/main" id="{03E307CC-DA35-022A-A51F-DA2C22C08567}"/>
-                </a:ext>
-              </a:extLst>
-            </p:cNvPr>
-            <p:cNvSpPr txBox="1"/>
-            <p:nvPr/>
-          </p:nvSpPr>
-          <p:spPr>
-            <a:xfrm>
-              <a:off x="1179899" y="10516899"/>
-              <a:ext cx="11761313" cy="501945"/>
-            </a:xfrm>
-            <a:prstGeom prst="rect">
-              <a:avLst/>
-            </a:prstGeom>
-            <a:noFill/>
-          </p:spPr>
-          <p:txBody>
-            <a:bodyPr wrap="square" rtlCol="0">
-              <a:spAutoFit/>
-            </a:bodyPr>
-            <a:lstStyle/>
-            <a:p>
-              <a:pPr marL="571500" indent="-571500">
-                <a:lnSpc>
-                  <a:spcPct val="120000"/>
-                </a:lnSpc>
-                <a:buFont typeface="Arial" panose="020B0604020202020204" pitchFamily="34" charset="0"/>
-                <a:buChar char="•"/>
-              </a:pPr>
-              <a:r>
-                <a:rPr kumimoji="1" lang="ja-JP" altLang="en-US" sz="4000" dirty="0"/>
-                <a:t>ほげほげ</a:t>
-              </a:r>
-              <a:endParaRPr kumimoji="1" lang="en-US" altLang="ja-JP" sz="4000" dirty="0"/>
             </a:p>
           </p:txBody>
         </p:sp>
       </p:grpSp>
+      <p:sp>
+        <p:nvSpPr>
+          <p:cNvPr id="4" name="正方形/長方形 3">
+            <a:extLst>
+              <a:ext uri="{FF2B5EF4-FFF2-40B4-BE49-F238E27FC236}">
+                <a16:creationId xmlns:a16="http://schemas.microsoft.com/office/drawing/2014/main" id="{6BF95301-280A-2D1D-5CA0-396E8943F957}"/>
+              </a:ext>
+            </a:extLst>
+          </p:cNvPr>
+          <p:cNvSpPr>
+            <a:spLocks noChangeAspect="1"/>
+          </p:cNvSpPr>
+          <p:nvPr/>
+        </p:nvSpPr>
+        <p:spPr>
+          <a:xfrm>
+            <a:off x="1012558" y="27342106"/>
+            <a:ext cx="900000" cy="900000"/>
+          </a:xfrm>
+          <a:prstGeom prst="rect">
+            <a:avLst/>
+          </a:prstGeom>
+          <a:solidFill>
+            <a:srgbClr val="FF3301"/>
+          </a:solidFill>
+          <a:ln>
+            <a:noFill/>
+          </a:ln>
+        </p:spPr>
+        <p:style>
+          <a:lnRef idx="2">
+            <a:schemeClr val="accent1">
+              <a:shade val="50000"/>
+            </a:schemeClr>
+          </a:lnRef>
+          <a:fillRef idx="1">
+            <a:schemeClr val="accent1"/>
+          </a:fillRef>
+          <a:effectRef idx="0">
+            <a:schemeClr val="accent1"/>
+          </a:effectRef>
+          <a:fontRef idx="minor">
+            <a:schemeClr val="lt1"/>
+          </a:fontRef>
+        </p:style>
+        <p:txBody>
+          <a:bodyPr rtlCol="0" anchor="ctr"/>
+          <a:lstStyle/>
+          <a:p>
+            <a:pPr algn="ctr"/>
+            <a:endParaRPr kumimoji="1" lang="ja-JP" altLang="en-US" dirty="0"/>
+          </a:p>
+        </p:txBody>
+      </p:sp>
+      <p:sp>
+        <p:nvSpPr>
+          <p:cNvPr id="9" name="テキスト ボックス 10">
+            <a:extLst>
+              <a:ext uri="{FF2B5EF4-FFF2-40B4-BE49-F238E27FC236}">
+                <a16:creationId xmlns:a16="http://schemas.microsoft.com/office/drawing/2014/main" id="{C2D4F4E0-D228-4BD9-B089-70B1CA892B78}"/>
+              </a:ext>
+            </a:extLst>
+          </p:cNvPr>
+          <p:cNvSpPr txBox="1"/>
+          <p:nvPr/>
+        </p:nvSpPr>
+        <p:spPr>
+          <a:xfrm>
+            <a:off x="12760864" y="18154898"/>
+            <a:ext cx="686309" cy="769441"/>
+          </a:xfrm>
+          <a:prstGeom prst="rect">
+            <a:avLst/>
+          </a:prstGeom>
+          <a:noFill/>
+        </p:spPr>
+        <p:txBody>
+          <a:bodyPr wrap="square" rtlCol="0">
+            <a:spAutoFit/>
+          </a:bodyPr>
+          <a:lstStyle>
+            <a:defPPr>
+              <a:defRPr lang="en-US"/>
+            </a:defPPr>
+            <a:lvl1pPr marL="0" algn="l" defTabSz="457200" rtl="0" eaLnBrk="1" latinLnBrk="0" hangingPunct="1">
+              <a:defRPr sz="1800" kern="1200">
+                <a:solidFill>
+                  <a:schemeClr val="tx1"/>
+                </a:solidFill>
+                <a:latin typeface="+mn-lt"/>
+                <a:ea typeface="+mn-ea"/>
+                <a:cs typeface="+mn-cs"/>
+              </a:defRPr>
+            </a:lvl1pPr>
+            <a:lvl2pPr marL="457200" algn="l" defTabSz="457200" rtl="0" eaLnBrk="1" latinLnBrk="0" hangingPunct="1">
+              <a:defRPr sz="1800" kern="1200">
+                <a:solidFill>
+                  <a:schemeClr val="tx1"/>
+                </a:solidFill>
+                <a:latin typeface="+mn-lt"/>
+                <a:ea typeface="+mn-ea"/>
+                <a:cs typeface="+mn-cs"/>
+              </a:defRPr>
+            </a:lvl2pPr>
+            <a:lvl3pPr marL="914400" algn="l" defTabSz="457200" rtl="0" eaLnBrk="1" latinLnBrk="0" hangingPunct="1">
+              <a:defRPr sz="1800" kern="1200">
+                <a:solidFill>
+                  <a:schemeClr val="tx1"/>
+                </a:solidFill>
+                <a:latin typeface="+mn-lt"/>
+                <a:ea typeface="+mn-ea"/>
+                <a:cs typeface="+mn-cs"/>
+              </a:defRPr>
+            </a:lvl3pPr>
+            <a:lvl4pPr marL="1371600" algn="l" defTabSz="457200" rtl="0" eaLnBrk="1" latinLnBrk="0" hangingPunct="1">
+              <a:defRPr sz="1800" kern="1200">
+                <a:solidFill>
+                  <a:schemeClr val="tx1"/>
+                </a:solidFill>
+                <a:latin typeface="+mn-lt"/>
+                <a:ea typeface="+mn-ea"/>
+                <a:cs typeface="+mn-cs"/>
+              </a:defRPr>
+            </a:lvl4pPr>
+            <a:lvl5pPr marL="1828800" algn="l" defTabSz="457200" rtl="0" eaLnBrk="1" latinLnBrk="0" hangingPunct="1">
+              <a:defRPr sz="1800" kern="1200">
+                <a:solidFill>
+                  <a:schemeClr val="tx1"/>
+                </a:solidFill>
+                <a:latin typeface="+mn-lt"/>
+                <a:ea typeface="+mn-ea"/>
+                <a:cs typeface="+mn-cs"/>
+              </a:defRPr>
+            </a:lvl5pPr>
+            <a:lvl6pPr marL="2286000" algn="l" defTabSz="457200" rtl="0" eaLnBrk="1" latinLnBrk="0" hangingPunct="1">
+              <a:defRPr sz="1800" kern="1200">
+                <a:solidFill>
+                  <a:schemeClr val="tx1"/>
+                </a:solidFill>
+                <a:latin typeface="+mn-lt"/>
+                <a:ea typeface="+mn-ea"/>
+                <a:cs typeface="+mn-cs"/>
+              </a:defRPr>
+            </a:lvl6pPr>
+            <a:lvl7pPr marL="2743200" algn="l" defTabSz="457200" rtl="0" eaLnBrk="1" latinLnBrk="0" hangingPunct="1">
+              <a:defRPr sz="1800" kern="1200">
+                <a:solidFill>
+                  <a:schemeClr val="tx1"/>
+                </a:solidFill>
+                <a:latin typeface="+mn-lt"/>
+                <a:ea typeface="+mn-ea"/>
+                <a:cs typeface="+mn-cs"/>
+              </a:defRPr>
+            </a:lvl7pPr>
+            <a:lvl8pPr marL="3200400" algn="l" defTabSz="457200" rtl="0" eaLnBrk="1" latinLnBrk="0" hangingPunct="1">
+              <a:defRPr sz="1800" kern="1200">
+                <a:solidFill>
+                  <a:schemeClr val="tx1"/>
+                </a:solidFill>
+                <a:latin typeface="+mn-lt"/>
+                <a:ea typeface="+mn-ea"/>
+                <a:cs typeface="+mn-cs"/>
+              </a:defRPr>
+            </a:lvl8pPr>
+            <a:lvl9pPr marL="3657600" algn="l" defTabSz="457200" rtl="0" eaLnBrk="1" latinLnBrk="0" hangingPunct="1">
+              <a:defRPr sz="1800" kern="1200">
+                <a:solidFill>
+                  <a:schemeClr val="tx1"/>
+                </a:solidFill>
+                <a:latin typeface="+mn-lt"/>
+                <a:ea typeface="+mn-ea"/>
+                <a:cs typeface="+mn-cs"/>
+              </a:defRPr>
+            </a:lvl9pPr>
+          </a:lstStyle>
+          <a:p>
+            <a:r>
+              <a:rPr kumimoji="1" lang="en-US" altLang="ja-JP" sz="4400" dirty="0"/>
+              <a:t>…</a:t>
+            </a:r>
+            <a:endParaRPr kumimoji="1" lang="ja-JP" altLang="en-US" sz="4400" dirty="0"/>
+          </a:p>
+        </p:txBody>
+      </p:sp>
+      <p:sp>
+        <p:nvSpPr>
+          <p:cNvPr id="11" name="テキスト ボックス 10">
+            <a:extLst>
+              <a:ext uri="{FF2B5EF4-FFF2-40B4-BE49-F238E27FC236}">
+                <a16:creationId xmlns:a16="http://schemas.microsoft.com/office/drawing/2014/main" id="{BE5A898B-F939-FDD5-FEBD-03C05D25AB81}"/>
+              </a:ext>
+            </a:extLst>
+          </p:cNvPr>
+          <p:cNvSpPr txBox="1"/>
+          <p:nvPr/>
+        </p:nvSpPr>
+        <p:spPr>
+          <a:xfrm>
+            <a:off x="1636619" y="7916877"/>
+            <a:ext cx="10359759" cy="1323439"/>
+          </a:xfrm>
+          <a:prstGeom prst="rect">
+            <a:avLst/>
+          </a:prstGeom>
+          <a:noFill/>
+        </p:spPr>
+        <p:txBody>
+          <a:bodyPr wrap="square" rtlCol="0">
+            <a:spAutoFit/>
+          </a:bodyPr>
+          <a:lstStyle/>
+          <a:p>
+            <a:r>
+              <a:rPr kumimoji="1" lang="ja-JP" altLang="en-US" sz="4000" dirty="0"/>
+              <a:t>複数のカメラを用いる場合や専用のデバイスを用いる場合では対応できない場面がある</a:t>
+            </a:r>
+          </a:p>
+        </p:txBody>
+      </p:sp>
+      <p:sp>
+        <p:nvSpPr>
+          <p:cNvPr id="12" name="テキスト ボックス 10">
+            <a:extLst>
+              <a:ext uri="{FF2B5EF4-FFF2-40B4-BE49-F238E27FC236}">
+                <a16:creationId xmlns:a16="http://schemas.microsoft.com/office/drawing/2014/main" id="{C2D4F4E0-D228-4BD9-B089-70B1CA892B78}"/>
+              </a:ext>
+            </a:extLst>
+          </p:cNvPr>
+          <p:cNvSpPr txBox="1"/>
+          <p:nvPr/>
+        </p:nvSpPr>
+        <p:spPr>
+          <a:xfrm>
+            <a:off x="12913264" y="18307298"/>
+            <a:ext cx="686309" cy="769441"/>
+          </a:xfrm>
+          <a:prstGeom prst="rect">
+            <a:avLst/>
+          </a:prstGeom>
+          <a:noFill/>
+        </p:spPr>
+        <p:txBody>
+          <a:bodyPr wrap="square" rtlCol="0">
+            <a:spAutoFit/>
+          </a:bodyPr>
+          <a:lstStyle>
+            <a:defPPr>
+              <a:defRPr lang="en-US"/>
+            </a:defPPr>
+            <a:lvl1pPr marL="0" algn="l" defTabSz="457200" rtl="0" eaLnBrk="1" latinLnBrk="0" hangingPunct="1">
+              <a:defRPr sz="1800" kern="1200">
+                <a:solidFill>
+                  <a:schemeClr val="tx1"/>
+                </a:solidFill>
+                <a:latin typeface="+mn-lt"/>
+                <a:ea typeface="+mn-ea"/>
+                <a:cs typeface="+mn-cs"/>
+              </a:defRPr>
+            </a:lvl1pPr>
+            <a:lvl2pPr marL="457200" algn="l" defTabSz="457200" rtl="0" eaLnBrk="1" latinLnBrk="0" hangingPunct="1">
+              <a:defRPr sz="1800" kern="1200">
+                <a:solidFill>
+                  <a:schemeClr val="tx1"/>
+                </a:solidFill>
+                <a:latin typeface="+mn-lt"/>
+                <a:ea typeface="+mn-ea"/>
+                <a:cs typeface="+mn-cs"/>
+              </a:defRPr>
+            </a:lvl2pPr>
+            <a:lvl3pPr marL="914400" algn="l" defTabSz="457200" rtl="0" eaLnBrk="1" latinLnBrk="0" hangingPunct="1">
+              <a:defRPr sz="1800" kern="1200">
+                <a:solidFill>
+                  <a:schemeClr val="tx1"/>
+                </a:solidFill>
+                <a:latin typeface="+mn-lt"/>
+                <a:ea typeface="+mn-ea"/>
+                <a:cs typeface="+mn-cs"/>
+              </a:defRPr>
+            </a:lvl3pPr>
+            <a:lvl4pPr marL="1371600" algn="l" defTabSz="457200" rtl="0" eaLnBrk="1" latinLnBrk="0" hangingPunct="1">
+              <a:defRPr sz="1800" kern="1200">
+                <a:solidFill>
+                  <a:schemeClr val="tx1"/>
+                </a:solidFill>
+                <a:latin typeface="+mn-lt"/>
+                <a:ea typeface="+mn-ea"/>
+                <a:cs typeface="+mn-cs"/>
+              </a:defRPr>
+            </a:lvl4pPr>
+            <a:lvl5pPr marL="1828800" algn="l" defTabSz="457200" rtl="0" eaLnBrk="1" latinLnBrk="0" hangingPunct="1">
+              <a:defRPr sz="1800" kern="1200">
+                <a:solidFill>
+                  <a:schemeClr val="tx1"/>
+                </a:solidFill>
+                <a:latin typeface="+mn-lt"/>
+                <a:ea typeface="+mn-ea"/>
+                <a:cs typeface="+mn-cs"/>
+              </a:defRPr>
+            </a:lvl5pPr>
+            <a:lvl6pPr marL="2286000" algn="l" defTabSz="457200" rtl="0" eaLnBrk="1" latinLnBrk="0" hangingPunct="1">
+              <a:defRPr sz="1800" kern="1200">
+                <a:solidFill>
+                  <a:schemeClr val="tx1"/>
+                </a:solidFill>
+                <a:latin typeface="+mn-lt"/>
+                <a:ea typeface="+mn-ea"/>
+                <a:cs typeface="+mn-cs"/>
+              </a:defRPr>
+            </a:lvl6pPr>
+            <a:lvl7pPr marL="2743200" algn="l" defTabSz="457200" rtl="0" eaLnBrk="1" latinLnBrk="0" hangingPunct="1">
+              <a:defRPr sz="1800" kern="1200">
+                <a:solidFill>
+                  <a:schemeClr val="tx1"/>
+                </a:solidFill>
+                <a:latin typeface="+mn-lt"/>
+                <a:ea typeface="+mn-ea"/>
+                <a:cs typeface="+mn-cs"/>
+              </a:defRPr>
+            </a:lvl7pPr>
+            <a:lvl8pPr marL="3200400" algn="l" defTabSz="457200" rtl="0" eaLnBrk="1" latinLnBrk="0" hangingPunct="1">
+              <a:defRPr sz="1800" kern="1200">
+                <a:solidFill>
+                  <a:schemeClr val="tx1"/>
+                </a:solidFill>
+                <a:latin typeface="+mn-lt"/>
+                <a:ea typeface="+mn-ea"/>
+                <a:cs typeface="+mn-cs"/>
+              </a:defRPr>
+            </a:lvl8pPr>
+            <a:lvl9pPr marL="3657600" algn="l" defTabSz="457200" rtl="0" eaLnBrk="1" latinLnBrk="0" hangingPunct="1">
+              <a:defRPr sz="1800" kern="1200">
+                <a:solidFill>
+                  <a:schemeClr val="tx1"/>
+                </a:solidFill>
+                <a:latin typeface="+mn-lt"/>
+                <a:ea typeface="+mn-ea"/>
+                <a:cs typeface="+mn-cs"/>
+              </a:defRPr>
+            </a:lvl9pPr>
+          </a:lstStyle>
+          <a:p>
+            <a:r>
+              <a:rPr kumimoji="1" lang="en-US" altLang="ja-JP" sz="4400" dirty="0"/>
+              <a:t>…</a:t>
+            </a:r>
+            <a:endParaRPr kumimoji="1" lang="ja-JP" altLang="en-US" sz="4400" dirty="0"/>
+          </a:p>
+        </p:txBody>
+      </p:sp>
+      <p:graphicFrame>
+        <p:nvGraphicFramePr>
+          <p:cNvPr id="19" name="オブジェクト 18">
+            <a:extLst>
+              <a:ext uri="{FF2B5EF4-FFF2-40B4-BE49-F238E27FC236}">
+                <a16:creationId xmlns:a16="http://schemas.microsoft.com/office/drawing/2014/main" id="{17B99AE7-54CD-DFAA-0AC3-2BE3F0916C1B}"/>
+              </a:ext>
+            </a:extLst>
+          </p:cNvPr>
+          <p:cNvGraphicFramePr>
+            <a:graphicFrameLocks noChangeAspect="1"/>
+          </p:cNvGraphicFramePr>
+          <p:nvPr>
+            <p:extLst>
+              <p:ext uri="{D42A27DB-BD31-4B8C-83A1-F6EECF244321}">
+                <p14:modId xmlns:p14="http://schemas.microsoft.com/office/powerpoint/2010/main" val="856178469"/>
+              </p:ext>
+            </p:extLst>
+          </p:nvPr>
+        </p:nvGraphicFramePr>
+        <p:xfrm>
+          <a:off x="932267" y="14618309"/>
+          <a:ext cx="11934825" cy="3989387"/>
+        </p:xfrm>
+        <a:graphic>
+          <a:graphicData uri="http://schemas.openxmlformats.org/presentationml/2006/ole">
+            <mc:AlternateContent xmlns:mc="http://schemas.openxmlformats.org/markup-compatibility/2006">
+              <mc:Choice xmlns:v="urn:schemas-microsoft-com:vml" Requires="v">
+                <p:oleObj name="Worksheet" r:id="rId3" imgW="3591037" imgH="1200150" progId="Excel.Sheet.12">
+                  <p:embed/>
+                </p:oleObj>
+              </mc:Choice>
+              <mc:Fallback>
+                <p:oleObj name="Worksheet" r:id="rId3" imgW="3591037" imgH="1200150" progId="Excel.Sheet.12">
+                  <p:embed/>
+                  <p:pic>
+                    <p:nvPicPr>
+                      <p:cNvPr id="0" name=""/>
+                      <p:cNvPicPr/>
+                      <p:nvPr/>
+                    </p:nvPicPr>
+                    <p:blipFill>
+                      <a:blip r:embed="rId4"/>
+                      <a:stretch>
+                        <a:fillRect/>
+                      </a:stretch>
+                    </p:blipFill>
+                    <p:spPr>
+                      <a:xfrm>
+                        <a:off x="932267" y="14618309"/>
+                        <a:ext cx="11934825" cy="3989387"/>
+                      </a:xfrm>
+                      <a:prstGeom prst="rect">
+                        <a:avLst/>
+                      </a:prstGeom>
+                    </p:spPr>
+                  </p:pic>
+                </p:oleObj>
+              </mc:Fallback>
+            </mc:AlternateContent>
+          </a:graphicData>
+        </a:graphic>
+      </p:graphicFrame>
+      <p:sp>
+        <p:nvSpPr>
+          <p:cNvPr id="20" name="正方形/長方形 19">
+            <a:extLst>
+              <a:ext uri="{FF2B5EF4-FFF2-40B4-BE49-F238E27FC236}">
+                <a16:creationId xmlns:a16="http://schemas.microsoft.com/office/drawing/2014/main" id="{CBAC75F4-000F-C711-D948-D26974AA2DF2}"/>
+              </a:ext>
+            </a:extLst>
+          </p:cNvPr>
+          <p:cNvSpPr>
+            <a:spLocks noChangeAspect="1"/>
+          </p:cNvSpPr>
+          <p:nvPr/>
+        </p:nvSpPr>
+        <p:spPr>
+          <a:xfrm>
+            <a:off x="885536" y="13571108"/>
+            <a:ext cx="900000" cy="900000"/>
+          </a:xfrm>
+          <a:prstGeom prst="rect">
+            <a:avLst/>
+          </a:prstGeom>
+          <a:solidFill>
+            <a:srgbClr val="FF3301"/>
+          </a:solidFill>
+          <a:ln>
+            <a:noFill/>
+          </a:ln>
+        </p:spPr>
+        <p:style>
+          <a:lnRef idx="2">
+            <a:schemeClr val="accent1">
+              <a:shade val="50000"/>
+            </a:schemeClr>
+          </a:lnRef>
+          <a:fillRef idx="1">
+            <a:schemeClr val="accent1"/>
+          </a:fillRef>
+          <a:effectRef idx="0">
+            <a:schemeClr val="accent1"/>
+          </a:effectRef>
+          <a:fontRef idx="minor">
+            <a:schemeClr val="lt1"/>
+          </a:fontRef>
+        </p:style>
+        <p:txBody>
+          <a:bodyPr rtlCol="0" anchor="ctr"/>
+          <a:lstStyle/>
+          <a:p>
+            <a:pPr algn="ctr"/>
+            <a:endParaRPr kumimoji="1" lang="ja-JP" altLang="en-US" dirty="0"/>
+          </a:p>
+        </p:txBody>
+      </p:sp>
+      <p:sp>
+        <p:nvSpPr>
+          <p:cNvPr id="26" name="矢印: 右 25">
+            <a:extLst>
+              <a:ext uri="{FF2B5EF4-FFF2-40B4-BE49-F238E27FC236}">
+                <a16:creationId xmlns:a16="http://schemas.microsoft.com/office/drawing/2014/main" id="{D6E69385-7A60-175B-6058-DD78E9FE8977}"/>
+              </a:ext>
+            </a:extLst>
+          </p:cNvPr>
+          <p:cNvSpPr/>
+          <p:nvPr/>
+        </p:nvSpPr>
+        <p:spPr>
+          <a:xfrm rot="5400000">
+            <a:off x="6236842" y="22945391"/>
+            <a:ext cx="1159312" cy="1559172"/>
+          </a:xfrm>
+          <a:prstGeom prst="rightArrow">
+            <a:avLst/>
+          </a:prstGeom>
+          <a:solidFill>
+            <a:srgbClr val="006699"/>
+          </a:solidFill>
+          <a:ln>
+            <a:noFill/>
+          </a:ln>
+        </p:spPr>
+        <p:style>
+          <a:lnRef idx="2">
+            <a:schemeClr val="accent1">
+              <a:shade val="50000"/>
+            </a:schemeClr>
+          </a:lnRef>
+          <a:fillRef idx="1">
+            <a:schemeClr val="accent1"/>
+          </a:fillRef>
+          <a:effectRef idx="0">
+            <a:schemeClr val="accent1"/>
+          </a:effectRef>
+          <a:fontRef idx="minor">
+            <a:schemeClr val="lt1"/>
+          </a:fontRef>
+        </p:style>
+        <p:txBody>
+          <a:bodyPr rtlCol="0" anchor="ctr"/>
+          <a:lstStyle/>
+          <a:p>
+            <a:pPr algn="ctr"/>
+            <a:endParaRPr lang="ja-JP" altLang="en-US"/>
+          </a:p>
+        </p:txBody>
+      </p:sp>
+      <p:sp>
+        <p:nvSpPr>
+          <p:cNvPr id="28" name="テキスト ボックス 27">
+            <a:extLst>
+              <a:ext uri="{FF2B5EF4-FFF2-40B4-BE49-F238E27FC236}">
+                <a16:creationId xmlns:a16="http://schemas.microsoft.com/office/drawing/2014/main" id="{99E33CC1-4B69-9C11-B6D3-FEAF31839879}"/>
+              </a:ext>
+            </a:extLst>
+          </p:cNvPr>
+          <p:cNvSpPr txBox="1"/>
+          <p:nvPr/>
+        </p:nvSpPr>
+        <p:spPr>
+          <a:xfrm>
+            <a:off x="2675181" y="19062845"/>
+            <a:ext cx="7946371" cy="3785652"/>
+          </a:xfrm>
+          <a:prstGeom prst="rect">
+            <a:avLst/>
+          </a:prstGeom>
+          <a:noFill/>
+        </p:spPr>
+        <p:txBody>
+          <a:bodyPr wrap="square" rtlCol="0">
+            <a:spAutoFit/>
+          </a:bodyPr>
+          <a:lstStyle/>
+          <a:p>
+            <a:r>
+              <a:rPr kumimoji="1" lang="ja-JP" altLang="en-US" sz="4000" dirty="0"/>
+              <a:t>カメラを用いる方法</a:t>
+            </a:r>
+            <a:endParaRPr kumimoji="1" lang="en-US" altLang="ja-JP" sz="4000" dirty="0"/>
+          </a:p>
+          <a:p>
+            <a:pPr marL="571500" indent="-571500">
+              <a:buFont typeface="Arial" panose="020B0604020202020204" pitchFamily="34" charset="0"/>
+              <a:buChar char="•"/>
+            </a:pPr>
+            <a:r>
+              <a:rPr kumimoji="1" lang="en-US" altLang="ja-JP" sz="4000" dirty="0"/>
+              <a:t>RGB</a:t>
+            </a:r>
+            <a:r>
+              <a:rPr kumimoji="1" lang="ja-JP" altLang="en-US" sz="4000" dirty="0"/>
+              <a:t>カメラ</a:t>
+            </a:r>
+            <a:endParaRPr kumimoji="1" lang="en-US" altLang="ja-JP" sz="4000" dirty="0"/>
+          </a:p>
+          <a:p>
+            <a:pPr marL="571500" indent="-571500">
+              <a:buFont typeface="Arial" panose="020B0604020202020204" pitchFamily="34" charset="0"/>
+              <a:buChar char="•"/>
+            </a:pPr>
+            <a:r>
+              <a:rPr kumimoji="1" lang="en-US" altLang="ja-JP" sz="4000" dirty="0"/>
+              <a:t>RGBD</a:t>
+            </a:r>
+            <a:r>
+              <a:rPr kumimoji="1" lang="ja-JP" altLang="en-US" sz="4000" dirty="0"/>
+              <a:t>カメラ</a:t>
+            </a:r>
+            <a:endParaRPr kumimoji="1" lang="en-US" altLang="ja-JP" sz="4000" dirty="0"/>
+          </a:p>
+          <a:p>
+            <a:r>
+              <a:rPr kumimoji="1" lang="ja-JP" altLang="en-US" sz="4000" dirty="0"/>
+              <a:t>モーションセンサを用いる方法</a:t>
+            </a:r>
+            <a:endParaRPr kumimoji="1" lang="en-US" altLang="ja-JP" sz="4000" dirty="0"/>
+          </a:p>
+          <a:p>
+            <a:pPr marL="571500" indent="-571500">
+              <a:buFont typeface="Arial" panose="020B0604020202020204" pitchFamily="34" charset="0"/>
+              <a:buChar char="•"/>
+            </a:pPr>
+            <a:r>
+              <a:rPr kumimoji="1" lang="ja-JP" altLang="en-US" sz="4000" dirty="0"/>
+              <a:t>光学式</a:t>
+            </a:r>
+            <a:endParaRPr kumimoji="1" lang="en-US" altLang="ja-JP" sz="4000" dirty="0"/>
+          </a:p>
+          <a:p>
+            <a:pPr marL="571500" indent="-571500">
+              <a:buFont typeface="Arial" panose="020B0604020202020204" pitchFamily="34" charset="0"/>
+              <a:buChar char="•"/>
+            </a:pPr>
+            <a:r>
+              <a:rPr kumimoji="1" lang="ja-JP" altLang="en-US" sz="4000" dirty="0"/>
+              <a:t>慣性式</a:t>
+            </a:r>
+          </a:p>
+        </p:txBody>
+      </p:sp>
+      <p:sp>
+        <p:nvSpPr>
+          <p:cNvPr id="31" name="テキスト ボックス 30">
+            <a:extLst>
+              <a:ext uri="{FF2B5EF4-FFF2-40B4-BE49-F238E27FC236}">
+                <a16:creationId xmlns:a16="http://schemas.microsoft.com/office/drawing/2014/main" id="{82F35996-F59C-C563-B170-C2C4A9015761}"/>
+              </a:ext>
+            </a:extLst>
+          </p:cNvPr>
+          <p:cNvSpPr txBox="1"/>
+          <p:nvPr/>
+        </p:nvSpPr>
+        <p:spPr>
+          <a:xfrm>
+            <a:off x="2655462" y="29167073"/>
+            <a:ext cx="8774538" cy="2266070"/>
+          </a:xfrm>
+          <a:prstGeom prst="rect">
+            <a:avLst/>
+          </a:prstGeom>
+          <a:noFill/>
+        </p:spPr>
+        <p:txBody>
+          <a:bodyPr wrap="square" rtlCol="0">
+            <a:spAutoFit/>
+          </a:bodyPr>
+          <a:lstStyle/>
+          <a:p>
+            <a:pPr>
+              <a:lnSpc>
+                <a:spcPct val="120000"/>
+              </a:lnSpc>
+            </a:pPr>
+            <a:r>
+              <a:rPr kumimoji="1" lang="ja-JP" altLang="en-US" sz="4000" dirty="0"/>
+              <a:t>以下の図のように</a:t>
+            </a:r>
+            <a:r>
+              <a:rPr kumimoji="1" lang="en-US" altLang="ja-JP" sz="4000" dirty="0" err="1"/>
+              <a:t>OpenPose</a:t>
+            </a:r>
+            <a:r>
+              <a:rPr kumimoji="1" lang="ja-JP" altLang="en-US" sz="4000" dirty="0"/>
+              <a:t>と</a:t>
+            </a:r>
+            <a:r>
+              <a:rPr kumimoji="1" lang="en-US" altLang="ja-JP" sz="4000" dirty="0"/>
+              <a:t>3d-pose-baserine</a:t>
+            </a:r>
+            <a:r>
+              <a:rPr kumimoji="1" lang="ja-JP" altLang="en-US" sz="4000" dirty="0"/>
+              <a:t>で処理することで骨格推定を行う．</a:t>
+            </a:r>
+            <a:endParaRPr kumimoji="1" lang="en-US" altLang="ja-JP" sz="4000" dirty="0"/>
+          </a:p>
+        </p:txBody>
+      </p:sp>
+      <p:pic>
+        <p:nvPicPr>
+          <p:cNvPr id="41" name="図 40" descr="ダイアグラム, 概略図&#10;&#10;自動的に生成された説明">
+            <a:extLst>
+              <a:ext uri="{FF2B5EF4-FFF2-40B4-BE49-F238E27FC236}">
+                <a16:creationId xmlns:a16="http://schemas.microsoft.com/office/drawing/2014/main" id="{A1FDB3DC-2FD1-12D7-237B-DEB05C0D0A9F}"/>
+              </a:ext>
+            </a:extLst>
+          </p:cNvPr>
+          <p:cNvPicPr>
+            <a:picLocks noChangeAspect="1"/>
+          </p:cNvPicPr>
+          <p:nvPr/>
+        </p:nvPicPr>
+        <p:blipFill>
+          <a:blip r:embed="rId5">
+            <a:extLst>
+              <a:ext uri="{28A0092B-C50C-407E-A947-70E740481C1C}">
+                <a14:useLocalDpi xmlns:a14="http://schemas.microsoft.com/office/drawing/2010/main" val="0"/>
+              </a:ext>
+            </a:extLst>
+          </a:blip>
+          <a:stretch>
+            <a:fillRect/>
+          </a:stretch>
+        </p:blipFill>
+        <p:spPr>
+          <a:xfrm>
+            <a:off x="1153685" y="31908295"/>
+            <a:ext cx="11456780" cy="3510226"/>
+          </a:xfrm>
+          <a:prstGeom prst="rect">
+            <a:avLst/>
+          </a:prstGeom>
+        </p:spPr>
+      </p:pic>
+      <p:pic>
+        <p:nvPicPr>
+          <p:cNvPr id="47" name="図 46">
+            <a:extLst>
+              <a:ext uri="{FF2B5EF4-FFF2-40B4-BE49-F238E27FC236}">
+                <a16:creationId xmlns:a16="http://schemas.microsoft.com/office/drawing/2014/main" id="{8C64CD34-B1F8-8004-301B-332C30D365D2}"/>
+              </a:ext>
+            </a:extLst>
+          </p:cNvPr>
+          <p:cNvPicPr>
+            <a:picLocks noChangeAspect="1"/>
+          </p:cNvPicPr>
+          <p:nvPr/>
+        </p:nvPicPr>
+        <p:blipFill>
+          <a:blip r:embed="rId6"/>
+          <a:stretch>
+            <a:fillRect/>
+          </a:stretch>
+        </p:blipFill>
+        <p:spPr>
+          <a:xfrm>
+            <a:off x="13427014" y="8249203"/>
+            <a:ext cx="11650894" cy="3785312"/>
+          </a:xfrm>
+          <a:prstGeom prst="rect">
+            <a:avLst/>
+          </a:prstGeom>
+        </p:spPr>
+      </p:pic>
+      <p:sp>
+        <p:nvSpPr>
+          <p:cNvPr id="48" name="テキスト ボックス 47">
+            <a:extLst>
+              <a:ext uri="{FF2B5EF4-FFF2-40B4-BE49-F238E27FC236}">
+                <a16:creationId xmlns:a16="http://schemas.microsoft.com/office/drawing/2014/main" id="{E7A0F7CB-C73E-CE4C-B7A5-701CC3570224}"/>
+              </a:ext>
+            </a:extLst>
+          </p:cNvPr>
+          <p:cNvSpPr txBox="1"/>
+          <p:nvPr/>
+        </p:nvSpPr>
+        <p:spPr>
+          <a:xfrm>
+            <a:off x="14083094" y="12301473"/>
+            <a:ext cx="10790275" cy="4475071"/>
+          </a:xfrm>
+          <a:prstGeom prst="rect">
+            <a:avLst/>
+          </a:prstGeom>
+          <a:noFill/>
+        </p:spPr>
+        <p:txBody>
+          <a:bodyPr wrap="square" rtlCol="0">
+            <a:spAutoFit/>
+          </a:bodyPr>
+          <a:lstStyle/>
+          <a:p>
+            <a:pPr>
+              <a:lnSpc>
+                <a:spcPct val="120000"/>
+              </a:lnSpc>
+            </a:pPr>
+            <a:r>
+              <a:rPr kumimoji="1" lang="ja-JP" altLang="en-US" sz="4000" dirty="0"/>
+              <a:t>デバイス専用のソフトウェア</a:t>
+            </a:r>
+            <a:endParaRPr kumimoji="1" lang="en-US" altLang="ja-JP" sz="4000" dirty="0"/>
+          </a:p>
+          <a:p>
+            <a:pPr marL="571500" indent="-571500">
+              <a:lnSpc>
+                <a:spcPct val="120000"/>
+              </a:lnSpc>
+              <a:buFont typeface="Arial" panose="020B0604020202020204" pitchFamily="34" charset="0"/>
+              <a:buChar char="•"/>
+            </a:pPr>
+            <a:r>
+              <a:rPr kumimoji="1" lang="en-US" altLang="ja-JP" sz="4000" dirty="0" err="1"/>
+              <a:t>kinectSDK</a:t>
+            </a:r>
+            <a:endParaRPr kumimoji="1" lang="en-US" altLang="ja-JP" sz="4000" dirty="0"/>
+          </a:p>
+          <a:p>
+            <a:pPr marL="571500" indent="-571500">
+              <a:lnSpc>
+                <a:spcPct val="120000"/>
+              </a:lnSpc>
+              <a:buFont typeface="Arial" panose="020B0604020202020204" pitchFamily="34" charset="0"/>
+              <a:buChar char="•"/>
+            </a:pPr>
+            <a:r>
+              <a:rPr kumimoji="1" lang="en-US" altLang="ja-JP" sz="4000" dirty="0" err="1"/>
+              <a:t>RealSenseSDK</a:t>
+            </a:r>
+            <a:endParaRPr kumimoji="1" lang="en-US" altLang="ja-JP" sz="4000" dirty="0"/>
+          </a:p>
+          <a:p>
+            <a:pPr>
+              <a:lnSpc>
+                <a:spcPct val="120000"/>
+              </a:lnSpc>
+            </a:pPr>
+            <a:r>
+              <a:rPr kumimoji="1" lang="ja-JP" altLang="en-US" sz="4000" dirty="0"/>
+              <a:t>オープンソース</a:t>
+            </a:r>
+            <a:endParaRPr kumimoji="1" lang="en-US" altLang="ja-JP" sz="4000" dirty="0"/>
+          </a:p>
+          <a:p>
+            <a:pPr marL="571500" indent="-571500">
+              <a:lnSpc>
+                <a:spcPct val="120000"/>
+              </a:lnSpc>
+              <a:buFont typeface="Arial" panose="020B0604020202020204" pitchFamily="34" charset="0"/>
+              <a:buChar char="•"/>
+            </a:pPr>
+            <a:r>
+              <a:rPr kumimoji="1" lang="en-US" altLang="ja-JP" sz="4000" dirty="0" err="1"/>
+              <a:t>OpenNI</a:t>
+            </a:r>
+            <a:endParaRPr kumimoji="1" lang="en-US" altLang="ja-JP" sz="4000" dirty="0"/>
+          </a:p>
+          <a:p>
+            <a:pPr marL="571500" indent="-571500">
+              <a:lnSpc>
+                <a:spcPct val="120000"/>
+              </a:lnSpc>
+              <a:buFont typeface="Arial" panose="020B0604020202020204" pitchFamily="34" charset="0"/>
+              <a:buChar char="•"/>
+            </a:pPr>
+            <a:r>
+              <a:rPr kumimoji="1" lang="en-US" altLang="ja-JP" sz="4000" dirty="0" err="1"/>
+              <a:t>mediapipe</a:t>
+            </a:r>
+            <a:endParaRPr kumimoji="1" lang="en-US" altLang="ja-JP" sz="4000" dirty="0"/>
+          </a:p>
+        </p:txBody>
+      </p:sp>
+      <p:pic>
+        <p:nvPicPr>
+          <p:cNvPr id="52" name="図 51" descr="ダイアグラム&#10;&#10;自動的に生成された説明">
+            <a:extLst>
+              <a:ext uri="{FF2B5EF4-FFF2-40B4-BE49-F238E27FC236}">
+                <a16:creationId xmlns:a16="http://schemas.microsoft.com/office/drawing/2014/main" id="{D86C9273-4EE8-C5D0-04B8-C2D4F409E260}"/>
+              </a:ext>
+            </a:extLst>
+          </p:cNvPr>
+          <p:cNvPicPr>
+            <a:picLocks noChangeAspect="1"/>
+          </p:cNvPicPr>
+          <p:nvPr/>
+        </p:nvPicPr>
+        <p:blipFill>
+          <a:blip r:embed="rId7">
+            <a:extLst>
+              <a:ext uri="{28A0092B-C50C-407E-A947-70E740481C1C}">
+                <a14:useLocalDpi xmlns:a14="http://schemas.microsoft.com/office/drawing/2010/main" val="0"/>
+              </a:ext>
+            </a:extLst>
+          </a:blip>
+          <a:stretch>
+            <a:fillRect/>
+          </a:stretch>
+        </p:blipFill>
+        <p:spPr>
+          <a:xfrm>
+            <a:off x="14977990" y="16863038"/>
+            <a:ext cx="8891711" cy="6655925"/>
+          </a:xfrm>
+          <a:prstGeom prst="rect">
+            <a:avLst/>
+          </a:prstGeom>
+        </p:spPr>
+      </p:pic>
+      <p:sp>
+        <p:nvSpPr>
+          <p:cNvPr id="56" name="テキスト ボックス 55">
+            <a:extLst>
+              <a:ext uri="{FF2B5EF4-FFF2-40B4-BE49-F238E27FC236}">
+                <a16:creationId xmlns:a16="http://schemas.microsoft.com/office/drawing/2014/main" id="{45D1026B-4E7F-7171-43FA-98DAE5394510}"/>
+              </a:ext>
+            </a:extLst>
+          </p:cNvPr>
+          <p:cNvSpPr txBox="1"/>
+          <p:nvPr/>
+        </p:nvSpPr>
+        <p:spPr>
+          <a:xfrm>
+            <a:off x="13597576" y="26663049"/>
+            <a:ext cx="11480332" cy="5220725"/>
+          </a:xfrm>
+          <a:prstGeom prst="rect">
+            <a:avLst/>
+          </a:prstGeom>
+          <a:noFill/>
+        </p:spPr>
+        <p:txBody>
+          <a:bodyPr wrap="square" rtlCol="0">
+            <a:spAutoFit/>
+          </a:bodyPr>
+          <a:lstStyle/>
+          <a:p>
+            <a:pPr>
+              <a:lnSpc>
+                <a:spcPct val="120000"/>
+              </a:lnSpc>
+            </a:pPr>
+            <a:r>
+              <a:rPr kumimoji="1" lang="ja-JP" altLang="en-US" sz="4000" dirty="0"/>
+              <a:t>画像処理データを基準にする場合</a:t>
+            </a:r>
+            <a:endParaRPr kumimoji="1" lang="en-US" altLang="ja-JP" sz="4000" dirty="0"/>
+          </a:p>
+          <a:p>
+            <a:pPr>
+              <a:lnSpc>
+                <a:spcPct val="120000"/>
+              </a:lnSpc>
+            </a:pPr>
+            <a:r>
+              <a:rPr kumimoji="1" lang="en-US" altLang="ja-JP" sz="4000" dirty="0"/>
+              <a:t>	</a:t>
+            </a:r>
+            <a:r>
+              <a:rPr kumimoji="1" lang="ja-JP" altLang="en-US" sz="4000" dirty="0"/>
+              <a:t>⇒特定の方法に有利な結果が出てしまう可能性</a:t>
+            </a:r>
+            <a:endParaRPr kumimoji="1" lang="en-US" altLang="ja-JP" sz="4000" dirty="0"/>
+          </a:p>
+          <a:p>
+            <a:pPr>
+              <a:lnSpc>
+                <a:spcPct val="120000"/>
+              </a:lnSpc>
+            </a:pPr>
+            <a:r>
+              <a:rPr kumimoji="1" lang="ja-JP" altLang="en-US" sz="4000" dirty="0"/>
+              <a:t>　　がある</a:t>
+            </a:r>
+            <a:endParaRPr kumimoji="1" lang="en-US" altLang="ja-JP" sz="4000" dirty="0"/>
+          </a:p>
+          <a:p>
+            <a:pPr>
+              <a:lnSpc>
+                <a:spcPct val="120000"/>
+              </a:lnSpc>
+            </a:pPr>
+            <a:r>
+              <a:rPr kumimoji="1" lang="ja-JP" altLang="en-US" sz="4000" dirty="0"/>
+              <a:t>モーションセンサのデータを基準にする場合</a:t>
+            </a:r>
+            <a:endParaRPr kumimoji="1" lang="en-US" altLang="ja-JP" sz="4000" dirty="0"/>
+          </a:p>
+          <a:p>
+            <a:pPr>
+              <a:lnSpc>
+                <a:spcPct val="120000"/>
+              </a:lnSpc>
+            </a:pPr>
+            <a:r>
+              <a:rPr kumimoji="1" lang="ja-JP" altLang="en-US" sz="4000" dirty="0"/>
+              <a:t>　⇒画像処理とは独立した方法</a:t>
+            </a:r>
+            <a:endParaRPr kumimoji="1" lang="en-US" altLang="ja-JP" sz="4000" dirty="0"/>
+          </a:p>
+          <a:p>
+            <a:pPr>
+              <a:lnSpc>
+                <a:spcPct val="120000"/>
+              </a:lnSpc>
+            </a:pPr>
+            <a:endParaRPr kumimoji="1" lang="en-US" altLang="ja-JP" sz="4000" dirty="0"/>
+          </a:p>
+          <a:p>
+            <a:pPr>
+              <a:lnSpc>
+                <a:spcPct val="120000"/>
+              </a:lnSpc>
+            </a:pPr>
+            <a:r>
+              <a:rPr kumimoji="1" lang="ja-JP" altLang="en-US" sz="4000" dirty="0"/>
+              <a:t>センサの位置座標の誤差や時間変動を比較</a:t>
+            </a:r>
+            <a:endParaRPr kumimoji="1" lang="en-US" altLang="ja-JP" sz="4000" dirty="0"/>
+          </a:p>
+        </p:txBody>
+      </p:sp>
     </p:spTree>
     <p:extLst>
       <p:ext uri="{BB962C8B-B14F-4D97-AF65-F5344CB8AC3E}">

--- a/tex/4wd/ec5_35.pptx
+++ b/tex/4wd/ec5_35.pptx
@@ -677,7 +677,7 @@
           <a:p>
             <a:fld id="{F54DCFD4-4A45-43F2-8AB9-04CEB6210951}" type="datetimeFigureOut">
               <a:rPr kumimoji="1" lang="ja-JP" altLang="en-US" smtClean="0"/>
-              <a:t>2023/10/8</a:t>
+              <a:t>2023/10/6</a:t>
             </a:fld>
             <a:endParaRPr kumimoji="1" lang="ja-JP" altLang="en-US"/>
           </a:p>
@@ -1398,7 +1398,7 @@
           <a:p>
             <a:fld id="{AFBAA52B-B866-4713-8126-EE58C612994D}" type="datetimeFigureOut">
               <a:rPr kumimoji="1" lang="ja-JP" altLang="en-US" smtClean="0"/>
-              <a:t>2023/10/8</a:t>
+              <a:t>2023/10/6</a:t>
             </a:fld>
             <a:endParaRPr kumimoji="1" lang="ja-JP" altLang="en-US"/>
           </a:p>
@@ -1956,7 +1956,18 @@
                 <a:ea typeface="ＭＳ Ｐゴシック" panose="020B0600070205080204" pitchFamily="50" charset="-128"/>
                 <a:cs typeface="Calibri" panose="020F0502020204030204" pitchFamily="34" charset="0"/>
               </a:rPr>
-              <a:t>B-2</a:t>
+              <a:t>X-</a:t>
+            </a:r>
+            <a:r>
+              <a:rPr kumimoji="1" lang="ja-JP" altLang="en-US" sz="8800" dirty="0">
+                <a:solidFill>
+                  <a:schemeClr val="bg1"/>
+                </a:solidFill>
+                <a:latin typeface="ＭＳ Ｐゴシック" panose="020B0600070205080204" pitchFamily="50" charset="-128"/>
+                <a:ea typeface="ＭＳ Ｐゴシック" panose="020B0600070205080204" pitchFamily="50" charset="-128"/>
+                <a:cs typeface="Calibri" panose="020F0502020204030204" pitchFamily="34" charset="0"/>
+              </a:rPr>
+              <a:t>ｎ</a:t>
             </a:r>
           </a:p>
         </p:txBody>
@@ -1998,7 +2009,7 @@
                 <a:ea typeface="ＭＳ Ｐゴシック" panose="020B0600070205080204" pitchFamily="50" charset="-128"/>
                 <a:cs typeface="Calibri" panose="020F0502020204030204" pitchFamily="34" charset="0"/>
               </a:rPr>
-              <a:t>単一視点による人物の三次元動作解析について</a:t>
+              <a:t>タイトル</a:t>
             </a:r>
           </a:p>
         </p:txBody>
@@ -2039,7 +2050,7 @@
                 <a:latin typeface="ＭＳ Ｐゴシック" panose="020B0600070205080204" pitchFamily="50" charset="-128"/>
                 <a:ea typeface="ＭＳ Ｐゴシック" panose="020B0600070205080204" pitchFamily="50" charset="-128"/>
               </a:rPr>
-              <a:t>35</a:t>
+              <a:t>00</a:t>
             </a:r>
             <a:r>
               <a:rPr kumimoji="1" lang="ja-JP" altLang="en-US" sz="4800" dirty="0">
@@ -2049,7 +2060,7 @@
                 <a:latin typeface="ＭＳ Ｐゴシック" panose="020B0600070205080204" pitchFamily="50" charset="-128"/>
                 <a:ea typeface="ＭＳ Ｐゴシック" panose="020B0600070205080204" pitchFamily="50" charset="-128"/>
               </a:rPr>
-              <a:t>番　本間　三暉（視覚情報処理研究室 </a:t>
+              <a:t>番　視覚　太郎（視覚情報処理研究室 </a:t>
             </a:r>
             <a:r>
               <a:rPr kumimoji="1" lang="en-US" altLang="ja-JP" sz="4800" dirty="0">
@@ -2356,8 +2367,8 @@
           </p:nvSpPr>
           <p:spPr>
             <a:xfrm>
-              <a:off x="1158636" y="5466661"/>
-              <a:ext cx="11610402" cy="2266070"/>
+              <a:off x="1158635" y="5466661"/>
+              <a:ext cx="11761313" cy="781752"/>
             </a:xfrm>
             <a:prstGeom prst="rect">
               <a:avLst/>
@@ -2370,18 +2381,6 @@
             </a:bodyPr>
             <a:lstStyle/>
             <a:p>
-              <a:pPr>
-                <a:lnSpc>
-                  <a:spcPct val="120000"/>
-                </a:lnSpc>
-              </a:pPr>
-              <a:r>
-                <a:rPr kumimoji="1" lang="ja-JP" altLang="en-US" sz="4000" dirty="0"/>
-                <a:t>三次元骨格推定方法</a:t>
-              </a:r>
-              <a:endParaRPr kumimoji="1" lang="en-US" altLang="ja-JP" sz="4000" dirty="0"/>
-            </a:p>
-            <a:p>
               <a:pPr marL="571500" indent="-571500">
                 <a:lnSpc>
                   <a:spcPct val="120000"/>
@@ -2391,21 +2390,7 @@
               </a:pPr>
               <a:r>
                 <a:rPr kumimoji="1" lang="ja-JP" altLang="en-US" sz="4000" dirty="0"/>
-                <a:t>カメラと画像処理</a:t>
-              </a:r>
-              <a:endParaRPr kumimoji="1" lang="en-US" altLang="ja-JP" sz="4000" dirty="0"/>
-            </a:p>
-            <a:p>
-              <a:pPr marL="571500" indent="-571500">
-                <a:lnSpc>
-                  <a:spcPct val="120000"/>
-                </a:lnSpc>
-                <a:buFont typeface="Arial" panose="020B0604020202020204" pitchFamily="34" charset="0"/>
-                <a:buChar char="•"/>
-              </a:pPr>
-              <a:r>
-                <a:rPr kumimoji="1" lang="ja-JP" altLang="en-US" sz="4000" dirty="0"/>
-                <a:t>モーションキャプチャデバイス</a:t>
+                <a:t>研究背景</a:t>
               </a:r>
               <a:endParaRPr kumimoji="1" lang="en-US" altLang="ja-JP" sz="4000" dirty="0"/>
             </a:p>
@@ -2425,7 +2410,7 @@
           </p:nvSpPr>
           <p:spPr>
             <a:xfrm rot="5400000">
-              <a:off x="6170778" y="9232809"/>
+              <a:off x="6330273" y="9047848"/>
               <a:ext cx="1159312" cy="1573949"/>
             </a:xfrm>
             <a:prstGeom prst="rightArrow">
@@ -2459,7 +2444,7 @@
             <a:lstStyle/>
             <a:p>
               <a:pPr algn="ctr"/>
-              <a:endParaRPr lang="ja-JP" altLang="en-US"/>
+              <a:endParaRPr kumimoji="1" lang="ja-JP" altLang="en-US"/>
             </a:p>
           </p:txBody>
         </p:sp>
@@ -2477,8 +2462,8 @@
           </p:nvSpPr>
           <p:spPr>
             <a:xfrm>
-              <a:off x="1179899" y="11016207"/>
-              <a:ext cx="11761313" cy="1527406"/>
+              <a:off x="1179899" y="10516899"/>
+              <a:ext cx="11761313" cy="781752"/>
             </a:xfrm>
             <a:prstGeom prst="rect">
               <a:avLst/>
@@ -2491,14 +2476,16 @@
             </a:bodyPr>
             <a:lstStyle/>
             <a:p>
-              <a:pPr>
+              <a:pPr marL="571500" indent="-571500">
                 <a:lnSpc>
                   <a:spcPct val="120000"/>
                 </a:lnSpc>
+                <a:buFont typeface="Arial" panose="020B0604020202020204" pitchFamily="34" charset="0"/>
+                <a:buChar char="•"/>
               </a:pPr>
               <a:r>
                 <a:rPr kumimoji="1" lang="ja-JP" altLang="en-US" sz="4000" dirty="0"/>
-                <a:t>一台のカメラと画像処理で三次元骨格推定できる方法を調査・実装・比較する</a:t>
+                <a:t>改善方法</a:t>
               </a:r>
               <a:endParaRPr kumimoji="1" lang="en-US" altLang="ja-JP" sz="4000" dirty="0"/>
             </a:p>
@@ -2519,10 +2506,10 @@
         </p:nvGrpSpPr>
         <p:grpSpPr>
           <a:xfrm>
-            <a:off x="13402806" y="32380572"/>
-            <a:ext cx="11969697" cy="3756962"/>
-            <a:chOff x="13495677" y="32199597"/>
-            <a:chExt cx="11969697" cy="3756962"/>
+            <a:off x="13364923" y="32380572"/>
+            <a:ext cx="12007580" cy="3756962"/>
+            <a:chOff x="13457794" y="32199597"/>
+            <a:chExt cx="12007580" cy="3756962"/>
           </a:xfrm>
         </p:grpSpPr>
         <p:sp>
@@ -2628,7 +2615,7 @@
           </p:nvSpPr>
           <p:spPr>
             <a:xfrm>
-              <a:off x="13495677" y="32466555"/>
+              <a:off x="13457794" y="32328563"/>
               <a:ext cx="900000" cy="900000"/>
             </a:xfrm>
             <a:prstGeom prst="rect">
@@ -2720,7 +2707,7 @@
           <p:spPr>
             <a:xfrm>
               <a:off x="13690447" y="33394087"/>
-              <a:ext cx="11761313" cy="2266070"/>
+              <a:ext cx="11761313" cy="781752"/>
             </a:xfrm>
             <a:prstGeom prst="rect">
               <a:avLst/>
@@ -2741,30 +2728,8 @@
                 <a:buChar char="•"/>
               </a:pPr>
               <a:r>
-                <a:rPr kumimoji="1" lang="en-US" altLang="ja-JP" sz="4000" dirty="0"/>
-                <a:t>RGB</a:t>
-              </a:r>
-              <a:r>
-                <a:rPr kumimoji="1" lang="ja-JP" altLang="en-US" sz="4000"/>
-                <a:t>カメラにより撮影した動画からの姿勢推定</a:t>
-              </a:r>
-              <a:endParaRPr kumimoji="1" lang="en-US" altLang="ja-JP" sz="4000" dirty="0"/>
-            </a:p>
-            <a:p>
-              <a:pPr marL="571500" indent="-571500">
-                <a:lnSpc>
-                  <a:spcPct val="120000"/>
-                </a:lnSpc>
-                <a:buFont typeface="Arial" panose="020B0604020202020204" pitchFamily="34" charset="0"/>
-                <a:buChar char="•"/>
-              </a:pPr>
-              <a:r>
-                <a:rPr kumimoji="1" lang="en-US" altLang="ja-JP" sz="4000" dirty="0"/>
-                <a:t>RGBD</a:t>
-              </a:r>
-              <a:r>
                 <a:rPr kumimoji="1" lang="ja-JP" altLang="en-US" sz="4000" dirty="0"/>
-                <a:t>カメラにより撮影した動画からの測定プログラムの開発・比較・分析</a:t>
+                <a:t>ほげほげ</a:t>
               </a:r>
               <a:endParaRPr kumimoji="1" lang="en-US" altLang="ja-JP" sz="4000" dirty="0"/>
             </a:p>
@@ -2785,10 +2750,10 @@
         </p:nvGrpSpPr>
         <p:grpSpPr>
           <a:xfrm>
-            <a:off x="933102" y="13435292"/>
-            <a:ext cx="11969274" cy="13256375"/>
-            <a:chOff x="968817" y="14031841"/>
-            <a:chExt cx="11969274" cy="8362160"/>
+            <a:off x="902359" y="13207956"/>
+            <a:ext cx="11911199" cy="8766092"/>
+            <a:chOff x="938074" y="13888436"/>
+            <a:chExt cx="11911199" cy="8766092"/>
           </a:xfrm>
         </p:grpSpPr>
         <p:sp>
@@ -2805,7 +2770,7 @@
           </p:nvSpPr>
           <p:spPr>
             <a:xfrm>
-              <a:off x="968817" y="14726001"/>
+              <a:off x="969273" y="14986528"/>
               <a:ext cx="11880000" cy="7668000"/>
             </a:xfrm>
             <a:prstGeom prst="rect">
@@ -2919,229 +2884,10 @@
         </p:sp>
         <p:sp>
           <p:nvSpPr>
-            <p:cNvPr id="63" name="テキスト ボックス 62">
+            <p:cNvPr id="62" name="正方形/長方形 61">
               <a:extLst>
                 <a:ext uri="{FF2B5EF4-FFF2-40B4-BE49-F238E27FC236}">
-                  <a16:creationId xmlns:a16="http://schemas.microsoft.com/office/drawing/2014/main" id="{2A6981A7-99B5-4D0D-B560-216589D04C41}"/>
-                </a:ext>
-              </a:extLst>
-            </p:cNvPr>
-            <p:cNvSpPr txBox="1"/>
-            <p:nvPr/>
-          </p:nvSpPr>
-          <p:spPr>
-            <a:xfrm>
-              <a:off x="1830687" y="14031841"/>
-              <a:ext cx="10700397" cy="1107996"/>
-            </a:xfrm>
-            <a:prstGeom prst="rect">
-              <a:avLst/>
-            </a:prstGeom>
-            <a:noFill/>
-          </p:spPr>
-          <p:txBody>
-            <a:bodyPr wrap="square" rtlCol="0">
-              <a:spAutoFit/>
-            </a:bodyPr>
-            <a:lstStyle/>
-            <a:p>
-              <a:r>
-                <a:rPr kumimoji="1" lang="ja-JP" altLang="en-US" sz="6600" dirty="0">
-                  <a:latin typeface="ＭＳ Ｐゴシック" panose="020B0600070205080204" pitchFamily="50" charset="-128"/>
-                  <a:ea typeface="ＭＳ Ｐゴシック" panose="020B0600070205080204" pitchFamily="50" charset="-128"/>
-                  <a:cs typeface="Times New Roman" panose="02020603050405020304" pitchFamily="18" charset="0"/>
-                </a:rPr>
-                <a:t>人の動作の計測方法</a:t>
-              </a:r>
-            </a:p>
-          </p:txBody>
-        </p:sp>
-        <p:sp>
-          <p:nvSpPr>
-            <p:cNvPr id="10" name="テキスト ボックス 9">
-              <a:extLst>
-                <a:ext uri="{FF2B5EF4-FFF2-40B4-BE49-F238E27FC236}">
-                  <a16:creationId xmlns:a16="http://schemas.microsoft.com/office/drawing/2014/main" id="{F3A8D77A-2FB6-DF93-57BF-E81AEB9B1AD8}"/>
-                </a:ext>
-              </a:extLst>
-            </p:cNvPr>
-            <p:cNvSpPr txBox="1"/>
-            <p:nvPr/>
-          </p:nvSpPr>
-          <p:spPr>
-            <a:xfrm>
-              <a:off x="1176778" y="20992812"/>
-              <a:ext cx="11761313" cy="1223122"/>
-            </a:xfrm>
-            <a:prstGeom prst="rect">
-              <a:avLst/>
-            </a:prstGeom>
-            <a:noFill/>
-          </p:spPr>
-          <p:txBody>
-            <a:bodyPr wrap="square" rtlCol="0">
-              <a:spAutoFit/>
-            </a:bodyPr>
-            <a:lstStyle/>
-            <a:p>
-              <a:r>
-                <a:rPr kumimoji="1" lang="ja-JP" altLang="en-US" sz="4000" dirty="0"/>
-                <a:t>一台のカメラと画像処理で三次元計測を行う場合について検証し，モーションセンサを用いて三次元計測した場合と比較</a:t>
-              </a:r>
-              <a:endParaRPr kumimoji="1" lang="en-US" altLang="ja-JP" sz="4000" dirty="0"/>
-            </a:p>
-          </p:txBody>
-        </p:sp>
-      </p:grpSp>
-      <p:grpSp>
-        <p:nvGrpSpPr>
-          <p:cNvPr id="6" name="グループ化 5">
-            <a:extLst>
-              <a:ext uri="{FF2B5EF4-FFF2-40B4-BE49-F238E27FC236}">
-                <a16:creationId xmlns:a16="http://schemas.microsoft.com/office/drawing/2014/main" id="{86804DFA-BAFB-0417-DFC9-B6B2D39681E1}"/>
-              </a:ext>
-            </a:extLst>
-          </p:cNvPr>
-          <p:cNvGrpSpPr/>
-          <p:nvPr/>
-        </p:nvGrpSpPr>
-        <p:grpSpPr>
-          <a:xfrm>
-            <a:off x="13365084" y="24119056"/>
-            <a:ext cx="11908731" cy="7985431"/>
-            <a:chOff x="13465096" y="23661674"/>
-            <a:chExt cx="11908731" cy="7561418"/>
-          </a:xfrm>
-        </p:grpSpPr>
-        <p:sp>
-          <p:nvSpPr>
-            <p:cNvPr id="125" name="テキスト ボックス 124">
-              <a:extLst>
-                <a:ext uri="{FF2B5EF4-FFF2-40B4-BE49-F238E27FC236}">
-                  <a16:creationId xmlns:a16="http://schemas.microsoft.com/office/drawing/2014/main" id="{F8AE244C-C634-FB56-B55E-F58F15C55CAC}"/>
-                </a:ext>
-              </a:extLst>
-            </p:cNvPr>
-            <p:cNvSpPr txBox="1"/>
-            <p:nvPr/>
-          </p:nvSpPr>
-          <p:spPr>
-            <a:xfrm>
-              <a:off x="13493827" y="24743092"/>
-              <a:ext cx="11880000" cy="6480000"/>
-            </a:xfrm>
-            <a:prstGeom prst="rect">
-              <a:avLst/>
-            </a:prstGeom>
-            <a:noFill/>
-            <a:ln w="79375" cap="sq">
-              <a:solidFill>
-                <a:srgbClr val="006699"/>
-              </a:solidFill>
-              <a:miter lim="800000"/>
-            </a:ln>
-          </p:spPr>
-          <p:txBody>
-            <a:bodyPr wrap="square" rtlCol="0">
-              <a:spAutoFit/>
-            </a:bodyPr>
-            <a:lstStyle/>
-            <a:p>
-              <a:pPr algn="just"/>
-              <a:endParaRPr lang="en-US" altLang="ja-JP" sz="2000" dirty="0"/>
-            </a:p>
-            <a:p>
-              <a:pPr algn="just"/>
-              <a:endParaRPr kumimoji="1" lang="en-US" altLang="ja-JP" sz="3600" dirty="0">
-                <a:latin typeface="ＭＳ Ｐゴシック" panose="020B0600070205080204" pitchFamily="50" charset="-128"/>
-                <a:ea typeface="ＭＳ Ｐゴシック" panose="020B0600070205080204" pitchFamily="50" charset="-128"/>
-              </a:endParaRPr>
-            </a:p>
-            <a:p>
-              <a:pPr algn="just"/>
-              <a:endParaRPr kumimoji="1" lang="en-US" altLang="ja-JP" sz="3600" dirty="0">
-                <a:latin typeface="ＭＳ Ｐゴシック" panose="020B0600070205080204" pitchFamily="50" charset="-128"/>
-                <a:ea typeface="ＭＳ Ｐゴシック" panose="020B0600070205080204" pitchFamily="50" charset="-128"/>
-              </a:endParaRPr>
-            </a:p>
-            <a:p>
-              <a:pPr algn="just"/>
-              <a:endParaRPr kumimoji="1" lang="en-US" altLang="ja-JP" sz="3600" dirty="0">
-                <a:latin typeface="ＭＳ Ｐゴシック" panose="020B0600070205080204" pitchFamily="50" charset="-128"/>
-                <a:ea typeface="ＭＳ Ｐゴシック" panose="020B0600070205080204" pitchFamily="50" charset="-128"/>
-              </a:endParaRPr>
-            </a:p>
-            <a:p>
-              <a:pPr algn="just"/>
-              <a:endParaRPr kumimoji="1" lang="en-US" altLang="ja-JP" sz="3600" dirty="0">
-                <a:latin typeface="ＭＳ Ｐゴシック" panose="020B0600070205080204" pitchFamily="50" charset="-128"/>
-                <a:ea typeface="ＭＳ Ｐゴシック" panose="020B0600070205080204" pitchFamily="50" charset="-128"/>
-              </a:endParaRPr>
-            </a:p>
-            <a:p>
-              <a:pPr algn="just"/>
-              <a:endParaRPr kumimoji="1" lang="en-US" altLang="ja-JP" sz="3600" dirty="0">
-                <a:latin typeface="ＭＳ Ｐゴシック" panose="020B0600070205080204" pitchFamily="50" charset="-128"/>
-                <a:ea typeface="ＭＳ Ｐゴシック" panose="020B0600070205080204" pitchFamily="50" charset="-128"/>
-              </a:endParaRPr>
-            </a:p>
-            <a:p>
-              <a:pPr algn="just"/>
-              <a:endParaRPr kumimoji="1" lang="en-US" altLang="ja-JP" sz="3600" dirty="0">
-                <a:latin typeface="ＭＳ Ｐゴシック" panose="020B0600070205080204" pitchFamily="50" charset="-128"/>
-                <a:ea typeface="ＭＳ Ｐゴシック" panose="020B0600070205080204" pitchFamily="50" charset="-128"/>
-              </a:endParaRPr>
-            </a:p>
-            <a:p>
-              <a:pPr algn="just"/>
-              <a:endParaRPr kumimoji="1" lang="en-US" altLang="ja-JP" sz="3600" dirty="0">
-                <a:latin typeface="ＭＳ Ｐゴシック" panose="020B0600070205080204" pitchFamily="50" charset="-128"/>
-                <a:ea typeface="ＭＳ Ｐゴシック" panose="020B0600070205080204" pitchFamily="50" charset="-128"/>
-              </a:endParaRPr>
-            </a:p>
-            <a:p>
-              <a:pPr algn="just"/>
-              <a:endParaRPr kumimoji="1" lang="en-US" altLang="ja-JP" sz="3600" dirty="0">
-                <a:latin typeface="ＭＳ Ｐゴシック" panose="020B0600070205080204" pitchFamily="50" charset="-128"/>
-                <a:ea typeface="ＭＳ Ｐゴシック" panose="020B0600070205080204" pitchFamily="50" charset="-128"/>
-              </a:endParaRPr>
-            </a:p>
-            <a:p>
-              <a:pPr algn="just"/>
-              <a:endParaRPr kumimoji="1" lang="en-US" altLang="ja-JP" sz="3600" dirty="0">
-                <a:latin typeface="ＭＳ Ｐゴシック" panose="020B0600070205080204" pitchFamily="50" charset="-128"/>
-                <a:ea typeface="ＭＳ Ｐゴシック" panose="020B0600070205080204" pitchFamily="50" charset="-128"/>
-              </a:endParaRPr>
-            </a:p>
-            <a:p>
-              <a:pPr algn="just"/>
-              <a:endParaRPr kumimoji="1" lang="en-US" altLang="ja-JP" sz="3600" dirty="0">
-                <a:latin typeface="ＭＳ Ｐゴシック" panose="020B0600070205080204" pitchFamily="50" charset="-128"/>
-                <a:ea typeface="ＭＳ Ｐゴシック" panose="020B0600070205080204" pitchFamily="50" charset="-128"/>
-              </a:endParaRPr>
-            </a:p>
-            <a:p>
-              <a:pPr algn="just"/>
-              <a:endParaRPr kumimoji="1" lang="en-US" altLang="ja-JP" sz="3600" dirty="0">
-                <a:latin typeface="ＭＳ Ｐゴシック" panose="020B0600070205080204" pitchFamily="50" charset="-128"/>
-                <a:ea typeface="ＭＳ Ｐゴシック" panose="020B0600070205080204" pitchFamily="50" charset="-128"/>
-              </a:endParaRPr>
-            </a:p>
-            <a:p>
-              <a:pPr algn="just"/>
-              <a:endParaRPr kumimoji="1" lang="en-US" altLang="ja-JP" sz="3600" dirty="0">
-                <a:latin typeface="ＭＳ Ｐゴシック" panose="020B0600070205080204" pitchFamily="50" charset="-128"/>
-                <a:ea typeface="ＭＳ Ｐゴシック" panose="020B0600070205080204" pitchFamily="50" charset="-128"/>
-              </a:endParaRPr>
-            </a:p>
-          </p:txBody>
-        </p:sp>
-        <p:sp>
-          <p:nvSpPr>
-            <p:cNvPr id="126" name="正方形/長方形 125">
-              <a:extLst>
-                <a:ext uri="{FF2B5EF4-FFF2-40B4-BE49-F238E27FC236}">
-                  <a16:creationId xmlns:a16="http://schemas.microsoft.com/office/drawing/2014/main" id="{4FB10CBB-62F9-657F-71E8-5D9FD03E2F74}"/>
+                  <a16:creationId xmlns:a16="http://schemas.microsoft.com/office/drawing/2014/main" id="{99EA8395-770B-4725-A018-56762DF97822}"/>
                 </a:ext>
               </a:extLst>
             </p:cNvPr>
@@ -3152,7 +2898,7 @@
           </p:nvSpPr>
           <p:spPr>
             <a:xfrm>
-              <a:off x="13465096" y="23804764"/>
+              <a:off x="938074" y="14049202"/>
               <a:ext cx="900000" cy="900000"/>
             </a:xfrm>
             <a:prstGeom prst="rect">
@@ -3192,6 +2938,324 @@
         </p:sp>
         <p:sp>
           <p:nvSpPr>
+            <p:cNvPr id="63" name="テキスト ボックス 62">
+              <a:extLst>
+                <a:ext uri="{FF2B5EF4-FFF2-40B4-BE49-F238E27FC236}">
+                  <a16:creationId xmlns:a16="http://schemas.microsoft.com/office/drawing/2014/main" id="{2A6981A7-99B5-4D0D-B560-216589D04C41}"/>
+                </a:ext>
+              </a:extLst>
+            </p:cNvPr>
+            <p:cNvSpPr txBox="1"/>
+            <p:nvPr/>
+          </p:nvSpPr>
+          <p:spPr>
+            <a:xfrm>
+              <a:off x="1826702" y="13888436"/>
+              <a:ext cx="10700397" cy="1107996"/>
+            </a:xfrm>
+            <a:prstGeom prst="rect">
+              <a:avLst/>
+            </a:prstGeom>
+            <a:noFill/>
+          </p:spPr>
+          <p:txBody>
+            <a:bodyPr wrap="square" rtlCol="0">
+              <a:spAutoFit/>
+            </a:bodyPr>
+            <a:lstStyle/>
+            <a:p>
+              <a:r>
+                <a:rPr kumimoji="1" lang="en-US" altLang="ja-JP" sz="6600" dirty="0">
+                  <a:latin typeface="ＭＳ Ｐゴシック" panose="020B0600070205080204" pitchFamily="50" charset="-128"/>
+                  <a:ea typeface="ＭＳ Ｐゴシック" panose="020B0600070205080204" pitchFamily="50" charset="-128"/>
+                  <a:cs typeface="Times New Roman" panose="02020603050405020304" pitchFamily="18" charset="0"/>
+                </a:rPr>
+                <a:t>2</a:t>
+              </a:r>
+              <a:r>
+                <a:rPr kumimoji="1" lang="ja-JP" altLang="en-US" sz="6600" dirty="0">
+                  <a:latin typeface="ＭＳ Ｐゴシック" panose="020B0600070205080204" pitchFamily="50" charset="-128"/>
+                  <a:ea typeface="ＭＳ Ｐゴシック" panose="020B0600070205080204" pitchFamily="50" charset="-128"/>
+                  <a:cs typeface="Times New Roman" panose="02020603050405020304" pitchFamily="18" charset="0"/>
+                </a:rPr>
+                <a:t>節に書いたこと</a:t>
+              </a:r>
+              <a:r>
+                <a:rPr kumimoji="1" lang="en-US" altLang="ja-JP" sz="6600" dirty="0">
+                  <a:latin typeface="ＭＳ Ｐゴシック" panose="020B0600070205080204" pitchFamily="50" charset="-128"/>
+                  <a:ea typeface="ＭＳ Ｐゴシック" panose="020B0600070205080204" pitchFamily="50" charset="-128"/>
+                  <a:cs typeface="Times New Roman" panose="02020603050405020304" pitchFamily="18" charset="0"/>
+                </a:rPr>
+                <a:t>1</a:t>
+              </a:r>
+              <a:endParaRPr kumimoji="1" lang="ja-JP" altLang="en-US" sz="6600" dirty="0">
+                <a:latin typeface="ＭＳ Ｐゴシック" panose="020B0600070205080204" pitchFamily="50" charset="-128"/>
+                <a:ea typeface="ＭＳ Ｐゴシック" panose="020B0600070205080204" pitchFamily="50" charset="-128"/>
+                <a:cs typeface="Times New Roman" panose="02020603050405020304" pitchFamily="18" charset="0"/>
+              </a:endParaRPr>
+            </a:p>
+          </p:txBody>
+        </p:sp>
+        <p:sp>
+          <p:nvSpPr>
+            <p:cNvPr id="10" name="テキスト ボックス 9">
+              <a:extLst>
+                <a:ext uri="{FF2B5EF4-FFF2-40B4-BE49-F238E27FC236}">
+                  <a16:creationId xmlns:a16="http://schemas.microsoft.com/office/drawing/2014/main" id="{F3A8D77A-2FB6-DF93-57BF-E81AEB9B1AD8}"/>
+                </a:ext>
+              </a:extLst>
+            </p:cNvPr>
+            <p:cNvSpPr txBox="1"/>
+            <p:nvPr/>
+          </p:nvSpPr>
+          <p:spPr>
+            <a:xfrm>
+              <a:off x="1017427" y="15170674"/>
+              <a:ext cx="11761313" cy="5632311"/>
+            </a:xfrm>
+            <a:prstGeom prst="rect">
+              <a:avLst/>
+            </a:prstGeom>
+            <a:noFill/>
+          </p:spPr>
+          <p:txBody>
+            <a:bodyPr wrap="square" rtlCol="0">
+              <a:spAutoFit/>
+            </a:bodyPr>
+            <a:lstStyle/>
+            <a:p>
+              <a:r>
+                <a:rPr kumimoji="1" lang="ja-JP" altLang="en-US" sz="4000"/>
+                <a:t>ほげ</a:t>
+              </a:r>
+              <a:endParaRPr kumimoji="1" lang="en-US" altLang="ja-JP" sz="4000" dirty="0"/>
+            </a:p>
+            <a:p>
+              <a:endParaRPr kumimoji="1" lang="en-US" altLang="ja-JP" sz="4000" dirty="0"/>
+            </a:p>
+            <a:p>
+              <a:endParaRPr kumimoji="1" lang="en-US" altLang="ja-JP" sz="4000" dirty="0"/>
+            </a:p>
+            <a:p>
+              <a:endParaRPr kumimoji="1" lang="en-US" altLang="ja-JP" sz="4000" dirty="0"/>
+            </a:p>
+            <a:p>
+              <a:endParaRPr kumimoji="1" lang="en-US" altLang="ja-JP" sz="4000" dirty="0"/>
+            </a:p>
+            <a:p>
+              <a:endParaRPr kumimoji="1" lang="en-US" altLang="ja-JP" sz="4000" dirty="0"/>
+            </a:p>
+            <a:p>
+              <a:endParaRPr kumimoji="1" lang="en-US" altLang="ja-JP" sz="4000" dirty="0"/>
+            </a:p>
+            <a:p>
+              <a:endParaRPr kumimoji="1" lang="en-US" altLang="ja-JP" sz="4000" dirty="0"/>
+            </a:p>
+            <a:p>
+              <a:endParaRPr kumimoji="1" lang="en-US" altLang="ja-JP" sz="4000" dirty="0"/>
+            </a:p>
+          </p:txBody>
+        </p:sp>
+      </p:grpSp>
+      <p:grpSp>
+        <p:nvGrpSpPr>
+          <p:cNvPr id="6" name="グループ化 5">
+            <a:extLst>
+              <a:ext uri="{FF2B5EF4-FFF2-40B4-BE49-F238E27FC236}">
+                <a16:creationId xmlns:a16="http://schemas.microsoft.com/office/drawing/2014/main" id="{86804DFA-BAFB-0417-DFC9-B6B2D39681E1}"/>
+              </a:ext>
+            </a:extLst>
+          </p:cNvPr>
+          <p:cNvGrpSpPr/>
+          <p:nvPr/>
+        </p:nvGrpSpPr>
+        <p:grpSpPr>
+          <a:xfrm>
+            <a:off x="13365084" y="24543068"/>
+            <a:ext cx="11908731" cy="7561417"/>
+            <a:chOff x="13465096" y="23661676"/>
+            <a:chExt cx="11908731" cy="7561417"/>
+          </a:xfrm>
+        </p:grpSpPr>
+        <p:sp>
+          <p:nvSpPr>
+            <p:cNvPr id="125" name="テキスト ボックス 124">
+              <a:extLst>
+                <a:ext uri="{FF2B5EF4-FFF2-40B4-BE49-F238E27FC236}">
+                  <a16:creationId xmlns:a16="http://schemas.microsoft.com/office/drawing/2014/main" id="{F8AE244C-C634-FB56-B55E-F58F15C55CAC}"/>
+                </a:ext>
+              </a:extLst>
+            </p:cNvPr>
+            <p:cNvSpPr txBox="1"/>
+            <p:nvPr/>
+          </p:nvSpPr>
+          <p:spPr>
+            <a:xfrm>
+              <a:off x="13493827" y="24743093"/>
+              <a:ext cx="11880000" cy="6480000"/>
+            </a:xfrm>
+            <a:prstGeom prst="rect">
+              <a:avLst/>
+            </a:prstGeom>
+            <a:noFill/>
+            <a:ln w="79375" cap="sq">
+              <a:solidFill>
+                <a:srgbClr val="006699"/>
+              </a:solidFill>
+              <a:miter lim="800000"/>
+            </a:ln>
+          </p:spPr>
+          <p:txBody>
+            <a:bodyPr wrap="square" rtlCol="0">
+              <a:spAutoFit/>
+            </a:bodyPr>
+            <a:lstStyle/>
+            <a:p>
+              <a:pPr algn="just"/>
+              <a:endParaRPr lang="en-US" altLang="ja-JP" sz="2000" dirty="0"/>
+            </a:p>
+            <a:p>
+              <a:pPr algn="just"/>
+              <a:endParaRPr kumimoji="1" lang="en-US" altLang="ja-JP" sz="3600" dirty="0">
+                <a:latin typeface="ＭＳ Ｐゴシック" panose="020B0600070205080204" pitchFamily="50" charset="-128"/>
+                <a:ea typeface="ＭＳ Ｐゴシック" panose="020B0600070205080204" pitchFamily="50" charset="-128"/>
+              </a:endParaRPr>
+            </a:p>
+            <a:p>
+              <a:pPr algn="just"/>
+              <a:endParaRPr kumimoji="1" lang="en-US" altLang="ja-JP" sz="3600" dirty="0">
+                <a:latin typeface="ＭＳ Ｐゴシック" panose="020B0600070205080204" pitchFamily="50" charset="-128"/>
+                <a:ea typeface="ＭＳ Ｐゴシック" panose="020B0600070205080204" pitchFamily="50" charset="-128"/>
+              </a:endParaRPr>
+            </a:p>
+            <a:p>
+              <a:pPr algn="just"/>
+              <a:endParaRPr kumimoji="1" lang="en-US" altLang="ja-JP" sz="3600" dirty="0">
+                <a:latin typeface="ＭＳ Ｐゴシック" panose="020B0600070205080204" pitchFamily="50" charset="-128"/>
+                <a:ea typeface="ＭＳ Ｐゴシック" panose="020B0600070205080204" pitchFamily="50" charset="-128"/>
+              </a:endParaRPr>
+            </a:p>
+            <a:p>
+              <a:pPr algn="just"/>
+              <a:endParaRPr kumimoji="1" lang="en-US" altLang="ja-JP" sz="3600" dirty="0">
+                <a:latin typeface="ＭＳ Ｐゴシック" panose="020B0600070205080204" pitchFamily="50" charset="-128"/>
+                <a:ea typeface="ＭＳ Ｐゴシック" panose="020B0600070205080204" pitchFamily="50" charset="-128"/>
+              </a:endParaRPr>
+            </a:p>
+            <a:p>
+              <a:pPr algn="just"/>
+              <a:endParaRPr kumimoji="1" lang="en-US" altLang="ja-JP" sz="3600" dirty="0">
+                <a:latin typeface="ＭＳ Ｐゴシック" panose="020B0600070205080204" pitchFamily="50" charset="-128"/>
+                <a:ea typeface="ＭＳ Ｐゴシック" panose="020B0600070205080204" pitchFamily="50" charset="-128"/>
+              </a:endParaRPr>
+            </a:p>
+            <a:p>
+              <a:pPr algn="just"/>
+              <a:endParaRPr kumimoji="1" lang="en-US" altLang="ja-JP" sz="3600" dirty="0">
+                <a:latin typeface="ＭＳ Ｐゴシック" panose="020B0600070205080204" pitchFamily="50" charset="-128"/>
+                <a:ea typeface="ＭＳ Ｐゴシック" panose="020B0600070205080204" pitchFamily="50" charset="-128"/>
+              </a:endParaRPr>
+            </a:p>
+            <a:p>
+              <a:pPr algn="just"/>
+              <a:endParaRPr kumimoji="1" lang="en-US" altLang="ja-JP" sz="3600" dirty="0">
+                <a:latin typeface="ＭＳ Ｐゴシック" panose="020B0600070205080204" pitchFamily="50" charset="-128"/>
+                <a:ea typeface="ＭＳ Ｐゴシック" panose="020B0600070205080204" pitchFamily="50" charset="-128"/>
+              </a:endParaRPr>
+            </a:p>
+            <a:p>
+              <a:pPr algn="just"/>
+              <a:endParaRPr kumimoji="1" lang="en-US" altLang="ja-JP" sz="3600" dirty="0">
+                <a:latin typeface="ＭＳ Ｐゴシック" panose="020B0600070205080204" pitchFamily="50" charset="-128"/>
+                <a:ea typeface="ＭＳ Ｐゴシック" panose="020B0600070205080204" pitchFamily="50" charset="-128"/>
+              </a:endParaRPr>
+            </a:p>
+            <a:p>
+              <a:pPr algn="just"/>
+              <a:endParaRPr kumimoji="1" lang="en-US" altLang="ja-JP" sz="3600" dirty="0">
+                <a:latin typeface="ＭＳ Ｐゴシック" panose="020B0600070205080204" pitchFamily="50" charset="-128"/>
+                <a:ea typeface="ＭＳ Ｐゴシック" panose="020B0600070205080204" pitchFamily="50" charset="-128"/>
+              </a:endParaRPr>
+            </a:p>
+            <a:p>
+              <a:pPr algn="just"/>
+              <a:endParaRPr kumimoji="1" lang="en-US" altLang="ja-JP" sz="3600" dirty="0">
+                <a:latin typeface="ＭＳ Ｐゴシック" panose="020B0600070205080204" pitchFamily="50" charset="-128"/>
+                <a:ea typeface="ＭＳ Ｐゴシック" panose="020B0600070205080204" pitchFamily="50" charset="-128"/>
+              </a:endParaRPr>
+            </a:p>
+            <a:p>
+              <a:pPr algn="just"/>
+              <a:endParaRPr kumimoji="1" lang="en-US" altLang="ja-JP" sz="3600" dirty="0">
+                <a:latin typeface="ＭＳ Ｐゴシック" panose="020B0600070205080204" pitchFamily="50" charset="-128"/>
+                <a:ea typeface="ＭＳ Ｐゴシック" panose="020B0600070205080204" pitchFamily="50" charset="-128"/>
+              </a:endParaRPr>
+            </a:p>
+            <a:p>
+              <a:pPr algn="just"/>
+              <a:endParaRPr kumimoji="1" lang="en-US" altLang="ja-JP" sz="3600" dirty="0">
+                <a:latin typeface="ＭＳ Ｐゴシック" panose="020B0600070205080204" pitchFamily="50" charset="-128"/>
+                <a:ea typeface="ＭＳ Ｐゴシック" panose="020B0600070205080204" pitchFamily="50" charset="-128"/>
+              </a:endParaRPr>
+            </a:p>
+          </p:txBody>
+        </p:sp>
+        <p:sp>
+          <p:nvSpPr>
+            <p:cNvPr id="126" name="正方形/長方形 125">
+              <a:extLst>
+                <a:ext uri="{FF2B5EF4-FFF2-40B4-BE49-F238E27FC236}">
+                  <a16:creationId xmlns:a16="http://schemas.microsoft.com/office/drawing/2014/main" id="{4FB10CBB-62F9-657F-71E8-5D9FD03E2F74}"/>
+                </a:ext>
+              </a:extLst>
+            </p:cNvPr>
+            <p:cNvSpPr>
+              <a:spLocks noChangeAspect="1"/>
+            </p:cNvSpPr>
+            <p:nvPr/>
+          </p:nvSpPr>
+          <p:spPr>
+            <a:xfrm>
+              <a:off x="13465096" y="23804767"/>
+              <a:ext cx="900000" cy="900000"/>
+            </a:xfrm>
+            <a:prstGeom prst="rect">
+              <a:avLst/>
+            </a:prstGeom>
+            <a:solidFill>
+              <a:srgbClr val="FF3301"/>
+            </a:solidFill>
+            <a:ln>
+              <a:noFill/>
+            </a:ln>
+          </p:spPr>
+          <p:style>
+            <a:lnRef idx="2">
+              <a:schemeClr val="accent1">
+                <a:shade val="50000"/>
+              </a:schemeClr>
+            </a:lnRef>
+            <a:fillRef idx="1">
+              <a:schemeClr val="accent1"/>
+            </a:fillRef>
+            <a:effectRef idx="0">
+              <a:schemeClr val="accent1"/>
+            </a:effectRef>
+            <a:fontRef idx="minor">
+              <a:schemeClr val="lt1"/>
+            </a:fontRef>
+          </p:style>
+          <p:txBody>
+            <a:bodyPr rtlCol="0" anchor="ctr"/>
+            <a:lstStyle/>
+            <a:p>
+              <a:pPr algn="ctr"/>
+              <a:endParaRPr kumimoji="1" lang="ja-JP" altLang="en-US" dirty="0"/>
+            </a:p>
+          </p:txBody>
+        </p:sp>
+        <p:sp>
+          <p:nvSpPr>
             <p:cNvPr id="127" name="テキスト ボックス 126">
               <a:extLst>
                 <a:ext uri="{FF2B5EF4-FFF2-40B4-BE49-F238E27FC236}">
@@ -3204,8 +3268,8 @@
           </p:nvSpPr>
           <p:spPr>
             <a:xfrm>
-              <a:off x="14367620" y="23661674"/>
-              <a:ext cx="10605759" cy="1049163"/>
+              <a:off x="14367620" y="23661676"/>
+              <a:ext cx="8993403" cy="1107996"/>
             </a:xfrm>
             <a:prstGeom prst="rect">
               <a:avLst/>
@@ -3219,13 +3283,34 @@
             <a:lstStyle/>
             <a:p>
               <a:r>
+                <a:rPr kumimoji="1" lang="en-US" altLang="ja-JP" sz="6600" dirty="0">
+                  <a:latin typeface="ＭＳ Ｐゴシック" panose="020B0600070205080204" pitchFamily="50" charset="-128"/>
+                  <a:ea typeface="ＭＳ Ｐゴシック" panose="020B0600070205080204" pitchFamily="50" charset="-128"/>
+                  <a:cs typeface="Times New Roman" panose="02020603050405020304" pitchFamily="18" charset="0"/>
+                </a:rPr>
+                <a:t>2</a:t>
+              </a:r>
+              <a:r>
                 <a:rPr kumimoji="1" lang="ja-JP" altLang="en-US" sz="6600" dirty="0">
                   <a:latin typeface="ＭＳ Ｐゴシック" panose="020B0600070205080204" pitchFamily="50" charset="-128"/>
                   <a:ea typeface="ＭＳ Ｐゴシック" panose="020B0600070205080204" pitchFamily="50" charset="-128"/>
                   <a:cs typeface="Times New Roman" panose="02020603050405020304" pitchFamily="18" charset="0"/>
                 </a:rPr>
-                <a:t>画像処理データの比較方法</a:t>
+                <a:t>節に書いたこと</a:t>
               </a:r>
+              <a:r>
+                <a:rPr kumimoji="1" lang="en-US" altLang="ja-JP" sz="6600" dirty="0">
+                  <a:latin typeface="ＭＳ Ｐゴシック" panose="020B0600070205080204" pitchFamily="50" charset="-128"/>
+                  <a:ea typeface="ＭＳ Ｐゴシック" panose="020B0600070205080204" pitchFamily="50" charset="-128"/>
+                  <a:cs typeface="Times New Roman" panose="02020603050405020304" pitchFamily="18" charset="0"/>
+                </a:rPr>
+                <a:t>4</a:t>
+              </a:r>
+              <a:endParaRPr kumimoji="1" lang="ja-JP" altLang="en-US" sz="6600" dirty="0">
+                <a:latin typeface="ＭＳ Ｐゴシック" panose="020B0600070205080204" pitchFamily="50" charset="-128"/>
+                <a:ea typeface="ＭＳ Ｐゴシック" panose="020B0600070205080204" pitchFamily="50" charset="-128"/>
+                <a:cs typeface="Times New Roman" panose="02020603050405020304" pitchFamily="18" charset="0"/>
+              </a:endParaRPr>
             </a:p>
           </p:txBody>
         </p:sp>
@@ -3243,8 +3328,8 @@
           </p:nvSpPr>
           <p:spPr>
             <a:xfrm>
-              <a:off x="13697588" y="24923705"/>
-              <a:ext cx="11480332" cy="746861"/>
+              <a:off x="13657057" y="24925539"/>
+              <a:ext cx="11618617" cy="781752"/>
             </a:xfrm>
             <a:prstGeom prst="rect">
               <a:avLst/>
@@ -3264,7 +3349,7 @@
               </a:pPr>
               <a:r>
                 <a:rPr kumimoji="1" lang="ja-JP" altLang="en-US" sz="4000" dirty="0"/>
-                <a:t>全身運動をしている人物一人に対して計測を行う</a:t>
+                <a:t>ほげほげ</a:t>
               </a:r>
               <a:endParaRPr kumimoji="1" lang="en-US" altLang="ja-JP" sz="4000" dirty="0"/>
             </a:p>
@@ -3285,10 +3370,10 @@
         </p:nvGrpSpPr>
         <p:grpSpPr>
           <a:xfrm>
-            <a:off x="13393815" y="4205050"/>
-            <a:ext cx="11768467" cy="19433511"/>
-            <a:chOff x="1015874" y="4299311"/>
-            <a:chExt cx="11880000" cy="8055363"/>
+            <a:off x="13394939" y="4205050"/>
+            <a:ext cx="11812254" cy="19900937"/>
+            <a:chOff x="1017009" y="4299311"/>
+            <a:chExt cx="11924203" cy="7982608"/>
           </a:xfrm>
         </p:grpSpPr>
         <p:sp>
@@ -3305,7 +3390,7 @@
           </p:nvSpPr>
           <p:spPr>
             <a:xfrm>
-              <a:off x="1015874" y="4794674"/>
+              <a:off x="1017009" y="4721919"/>
               <a:ext cx="11880000" cy="7560000"/>
             </a:xfrm>
             <a:prstGeom prst="rect">
@@ -3418,7 +3503,7 @@
           <p:spPr>
             <a:xfrm>
               <a:off x="1933480" y="4299311"/>
-              <a:ext cx="9699818" cy="444436"/>
+              <a:ext cx="7118652" cy="444436"/>
             </a:xfrm>
             <a:prstGeom prst="rect">
               <a:avLst/>
@@ -3437,7 +3522,7 @@
                   <a:ea typeface="ＭＳ Ｐゴシック" panose="020B0600070205080204" pitchFamily="50" charset="-128"/>
                   <a:cs typeface="Times New Roman" panose="02020603050405020304" pitchFamily="18" charset="0"/>
                 </a:rPr>
-                <a:t>RGBD</a:t>
+                <a:t>2</a:t>
               </a:r>
               <a:r>
                 <a:rPr kumimoji="1" lang="ja-JP" altLang="en-US" sz="6600" dirty="0">
@@ -3445,8 +3530,21 @@
                   <a:ea typeface="ＭＳ Ｐゴシック" panose="020B0600070205080204" pitchFamily="50" charset="-128"/>
                   <a:cs typeface="Times New Roman" panose="02020603050405020304" pitchFamily="18" charset="0"/>
                 </a:rPr>
-                <a:t>カメラの計測方法</a:t>
+                <a:t>節に書いたこと</a:t>
               </a:r>
+              <a:r>
+                <a:rPr kumimoji="1" lang="en-US" altLang="ja-JP" sz="6600" dirty="0">
+                  <a:latin typeface="ＭＳ Ｐゴシック" panose="020B0600070205080204" pitchFamily="50" charset="-128"/>
+                  <a:ea typeface="ＭＳ Ｐゴシック" panose="020B0600070205080204" pitchFamily="50" charset="-128"/>
+                  <a:cs typeface="Times New Roman" panose="02020603050405020304" pitchFamily="18" charset="0"/>
+                </a:rPr>
+                <a:t>3</a:t>
+              </a:r>
+              <a:endParaRPr kumimoji="1" lang="ja-JP" altLang="en-US" sz="6600" dirty="0">
+                <a:latin typeface="ＭＳ Ｐゴシック" panose="020B0600070205080204" pitchFamily="50" charset="-128"/>
+                <a:ea typeface="ＭＳ Ｐゴシック" panose="020B0600070205080204" pitchFamily="50" charset="-128"/>
+                <a:cs typeface="Times New Roman" panose="02020603050405020304" pitchFamily="18" charset="0"/>
+              </a:endParaRPr>
             </a:p>
           </p:txBody>
         </p:sp>
@@ -3464,8 +3562,8 @@
           </p:nvSpPr>
           <p:spPr>
             <a:xfrm>
-              <a:off x="1565900" y="4957132"/>
-              <a:ext cx="10892538" cy="939306"/>
+              <a:off x="1158635" y="5466661"/>
+              <a:ext cx="11761313" cy="383751"/>
             </a:xfrm>
             <a:prstGeom prst="rect">
               <a:avLst/>
@@ -3478,14 +3576,59 @@
             </a:bodyPr>
             <a:lstStyle/>
             <a:p>
-              <a:pPr>
+              <a:pPr marL="571500" indent="-571500">
                 <a:lnSpc>
                   <a:spcPct val="120000"/>
                 </a:lnSpc>
+                <a:buFont typeface="Arial" panose="020B0604020202020204" pitchFamily="34" charset="0"/>
+                <a:buChar char="•"/>
               </a:pPr>
               <a:r>
                 <a:rPr kumimoji="1" lang="ja-JP" altLang="en-US" sz="4000" dirty="0"/>
-                <a:t>開発ライブラリにデバイス専用のソフトウェアやオープンソースを用いて処理することでアプリケーションを作成できる</a:t>
+                <a:t>書いたこと</a:t>
+              </a:r>
+              <a:endParaRPr kumimoji="1" lang="en-US" altLang="ja-JP" sz="4000" dirty="0"/>
+            </a:p>
+          </p:txBody>
+        </p:sp>
+        <p:sp>
+          <p:nvSpPr>
+            <p:cNvPr id="29" name="テキスト ボックス 28">
+              <a:extLst>
+                <a:ext uri="{FF2B5EF4-FFF2-40B4-BE49-F238E27FC236}">
+                  <a16:creationId xmlns:a16="http://schemas.microsoft.com/office/drawing/2014/main" id="{4762A495-FFAB-C51C-DC59-158077E44BAD}"/>
+                </a:ext>
+              </a:extLst>
+            </p:cNvPr>
+            <p:cNvSpPr txBox="1"/>
+            <p:nvPr/>
+          </p:nvSpPr>
+          <p:spPr>
+            <a:xfrm>
+              <a:off x="1179899" y="10516899"/>
+              <a:ext cx="11761313" cy="380350"/>
+            </a:xfrm>
+            <a:prstGeom prst="rect">
+              <a:avLst/>
+            </a:prstGeom>
+            <a:noFill/>
+          </p:spPr>
+          <p:txBody>
+            <a:bodyPr wrap="square" rtlCol="0">
+              <a:spAutoFit/>
+            </a:bodyPr>
+            <a:lstStyle/>
+            <a:p>
+              <a:pPr marL="571500" indent="-571500">
+                <a:lnSpc>
+                  <a:spcPct val="120000"/>
+                </a:lnSpc>
+                <a:buFont typeface="Arial" panose="020B0604020202020204" pitchFamily="34" charset="0"/>
+                <a:buChar char="•"/>
+              </a:pPr>
+              <a:r>
+                <a:rPr kumimoji="1" lang="ja-JP" altLang="en-US" sz="4000" dirty="0"/>
+                <a:t>予稿に書いたこと</a:t>
               </a:r>
               <a:endParaRPr kumimoji="1" lang="en-US" altLang="ja-JP" sz="4000" dirty="0"/>
             </a:p>
@@ -3560,10 +3703,10 @@
         </p:nvGrpSpPr>
         <p:grpSpPr>
           <a:xfrm>
-            <a:off x="1012558" y="27181037"/>
-            <a:ext cx="11768466" cy="8956497"/>
-            <a:chOff x="946785" y="3958835"/>
-            <a:chExt cx="11880000" cy="8639179"/>
+            <a:off x="1012558" y="22516004"/>
+            <a:ext cx="11881818" cy="13125702"/>
+            <a:chOff x="946785" y="4244997"/>
+            <a:chExt cx="11994427" cy="8353017"/>
           </a:xfrm>
         </p:grpSpPr>
         <p:sp>
@@ -3692,8 +3835,8 @@
           </p:nvSpPr>
           <p:spPr>
             <a:xfrm>
-              <a:off x="2088209" y="3958835"/>
-              <a:ext cx="10373837" cy="1068741"/>
+              <a:off x="1851235" y="4244997"/>
+              <a:ext cx="7623579" cy="705113"/>
             </a:xfrm>
             <a:prstGeom prst="rect">
               <a:avLst/>
@@ -3712,7 +3855,7 @@
                   <a:ea typeface="ＭＳ Ｐゴシック" panose="020B0600070205080204" pitchFamily="50" charset="-128"/>
                   <a:cs typeface="Times New Roman" panose="02020603050405020304" pitchFamily="18" charset="0"/>
                 </a:rPr>
-                <a:t>RGB </a:t>
+                <a:t>2</a:t>
               </a:r>
               <a:r>
                 <a:rPr kumimoji="1" lang="ja-JP" altLang="en-US" sz="6600" dirty="0">
@@ -3720,1005 +3863,111 @@
                   <a:ea typeface="ＭＳ Ｐゴシック" panose="020B0600070205080204" pitchFamily="50" charset="-128"/>
                   <a:cs typeface="Times New Roman" panose="02020603050405020304" pitchFamily="18" charset="0"/>
                 </a:rPr>
-                <a:t>カメラ一台の計測方法</a:t>
+                <a:t>節に書いたこと</a:t>
               </a:r>
+              <a:r>
+                <a:rPr kumimoji="1" lang="en-US" altLang="ja-JP" sz="6600" dirty="0">
+                  <a:latin typeface="ＭＳ Ｐゴシック" panose="020B0600070205080204" pitchFamily="50" charset="-128"/>
+                  <a:ea typeface="ＭＳ Ｐゴシック" panose="020B0600070205080204" pitchFamily="50" charset="-128"/>
+                  <a:cs typeface="Times New Roman" panose="02020603050405020304" pitchFamily="18" charset="0"/>
+                </a:rPr>
+                <a:t>2</a:t>
+              </a:r>
+              <a:endParaRPr kumimoji="1" lang="ja-JP" altLang="en-US" sz="6600" dirty="0">
+                <a:latin typeface="ＭＳ Ｐゴシック" panose="020B0600070205080204" pitchFamily="50" charset="-128"/>
+                <a:ea typeface="ＭＳ Ｐゴシック" panose="020B0600070205080204" pitchFamily="50" charset="-128"/>
+                <a:cs typeface="Times New Roman" panose="02020603050405020304" pitchFamily="18" charset="0"/>
+              </a:endParaRPr>
+            </a:p>
+          </p:txBody>
+        </p:sp>
+        <p:sp>
+          <p:nvSpPr>
+            <p:cNvPr id="57" name="テキスト ボックス 56">
+              <a:extLst>
+                <a:ext uri="{FF2B5EF4-FFF2-40B4-BE49-F238E27FC236}">
+                  <a16:creationId xmlns:a16="http://schemas.microsoft.com/office/drawing/2014/main" id="{E1396631-3DE3-06ED-0355-95FC626EBB60}"/>
+                </a:ext>
+              </a:extLst>
+            </p:cNvPr>
+            <p:cNvSpPr txBox="1"/>
+            <p:nvPr/>
+          </p:nvSpPr>
+          <p:spPr>
+            <a:xfrm>
+              <a:off x="1158635" y="5466661"/>
+              <a:ext cx="11761313" cy="501945"/>
+            </a:xfrm>
+            <a:prstGeom prst="rect">
+              <a:avLst/>
+            </a:prstGeom>
+            <a:noFill/>
+          </p:spPr>
+          <p:txBody>
+            <a:bodyPr wrap="square" rtlCol="0">
+              <a:spAutoFit/>
+            </a:bodyPr>
+            <a:lstStyle/>
+            <a:p>
+              <a:pPr marL="571500" indent="-571500">
+                <a:lnSpc>
+                  <a:spcPct val="120000"/>
+                </a:lnSpc>
+                <a:buFont typeface="Arial" panose="020B0604020202020204" pitchFamily="34" charset="0"/>
+                <a:buChar char="•"/>
+              </a:pPr>
+              <a:r>
+                <a:rPr kumimoji="1" lang="ja-JP" altLang="en-US" sz="4000" dirty="0"/>
+                <a:t>ほげほげ</a:t>
+              </a:r>
+              <a:endParaRPr kumimoji="1" lang="en-US" altLang="ja-JP" sz="4000" dirty="0"/>
+            </a:p>
+          </p:txBody>
+        </p:sp>
+        <p:sp>
+          <p:nvSpPr>
+            <p:cNvPr id="64" name="テキスト ボックス 63">
+              <a:extLst>
+                <a:ext uri="{FF2B5EF4-FFF2-40B4-BE49-F238E27FC236}">
+                  <a16:creationId xmlns:a16="http://schemas.microsoft.com/office/drawing/2014/main" id="{03E307CC-DA35-022A-A51F-DA2C22C08567}"/>
+                </a:ext>
+              </a:extLst>
+            </p:cNvPr>
+            <p:cNvSpPr txBox="1"/>
+            <p:nvPr/>
+          </p:nvSpPr>
+          <p:spPr>
+            <a:xfrm>
+              <a:off x="1179899" y="10516899"/>
+              <a:ext cx="11761313" cy="501945"/>
+            </a:xfrm>
+            <a:prstGeom prst="rect">
+              <a:avLst/>
+            </a:prstGeom>
+            <a:noFill/>
+          </p:spPr>
+          <p:txBody>
+            <a:bodyPr wrap="square" rtlCol="0">
+              <a:spAutoFit/>
+            </a:bodyPr>
+            <a:lstStyle/>
+            <a:p>
+              <a:pPr marL="571500" indent="-571500">
+                <a:lnSpc>
+                  <a:spcPct val="120000"/>
+                </a:lnSpc>
+                <a:buFont typeface="Arial" panose="020B0604020202020204" pitchFamily="34" charset="0"/>
+                <a:buChar char="•"/>
+              </a:pPr>
+              <a:r>
+                <a:rPr kumimoji="1" lang="ja-JP" altLang="en-US" sz="4000" dirty="0"/>
+                <a:t>ほげほげ</a:t>
+              </a:r>
+              <a:endParaRPr kumimoji="1" lang="en-US" altLang="ja-JP" sz="4000" dirty="0"/>
             </a:p>
           </p:txBody>
         </p:sp>
       </p:grpSp>
-      <p:sp>
-        <p:nvSpPr>
-          <p:cNvPr id="4" name="正方形/長方形 3">
-            <a:extLst>
-              <a:ext uri="{FF2B5EF4-FFF2-40B4-BE49-F238E27FC236}">
-                <a16:creationId xmlns:a16="http://schemas.microsoft.com/office/drawing/2014/main" id="{6BF95301-280A-2D1D-5CA0-396E8943F957}"/>
-              </a:ext>
-            </a:extLst>
-          </p:cNvPr>
-          <p:cNvSpPr>
-            <a:spLocks noChangeAspect="1"/>
-          </p:cNvSpPr>
-          <p:nvPr/>
-        </p:nvSpPr>
-        <p:spPr>
-          <a:xfrm>
-            <a:off x="1012558" y="27342106"/>
-            <a:ext cx="900000" cy="900000"/>
-          </a:xfrm>
-          <a:prstGeom prst="rect">
-            <a:avLst/>
-          </a:prstGeom>
-          <a:solidFill>
-            <a:srgbClr val="FF3301"/>
-          </a:solidFill>
-          <a:ln>
-            <a:noFill/>
-          </a:ln>
-        </p:spPr>
-        <p:style>
-          <a:lnRef idx="2">
-            <a:schemeClr val="accent1">
-              <a:shade val="50000"/>
-            </a:schemeClr>
-          </a:lnRef>
-          <a:fillRef idx="1">
-            <a:schemeClr val="accent1"/>
-          </a:fillRef>
-          <a:effectRef idx="0">
-            <a:schemeClr val="accent1"/>
-          </a:effectRef>
-          <a:fontRef idx="minor">
-            <a:schemeClr val="lt1"/>
-          </a:fontRef>
-        </p:style>
-        <p:txBody>
-          <a:bodyPr rtlCol="0" anchor="ctr"/>
-          <a:lstStyle/>
-          <a:p>
-            <a:pPr algn="ctr"/>
-            <a:endParaRPr kumimoji="1" lang="ja-JP" altLang="en-US" dirty="0"/>
-          </a:p>
-        </p:txBody>
-      </p:sp>
-      <p:sp>
-        <p:nvSpPr>
-          <p:cNvPr id="9" name="テキスト ボックス 10">
-            <a:extLst>
-              <a:ext uri="{FF2B5EF4-FFF2-40B4-BE49-F238E27FC236}">
-                <a16:creationId xmlns:a16="http://schemas.microsoft.com/office/drawing/2014/main" id="{C2D4F4E0-D228-4BD9-B089-70B1CA892B78}"/>
-              </a:ext>
-            </a:extLst>
-          </p:cNvPr>
-          <p:cNvSpPr txBox="1"/>
-          <p:nvPr/>
-        </p:nvSpPr>
-        <p:spPr>
-          <a:xfrm>
-            <a:off x="12760864" y="18154898"/>
-            <a:ext cx="686309" cy="769441"/>
-          </a:xfrm>
-          <a:prstGeom prst="rect">
-            <a:avLst/>
-          </a:prstGeom>
-          <a:noFill/>
-        </p:spPr>
-        <p:txBody>
-          <a:bodyPr wrap="square" rtlCol="0">
-            <a:spAutoFit/>
-          </a:bodyPr>
-          <a:lstStyle>
-            <a:defPPr>
-              <a:defRPr lang="en-US"/>
-            </a:defPPr>
-            <a:lvl1pPr marL="0" algn="l" defTabSz="457200" rtl="0" eaLnBrk="1" latinLnBrk="0" hangingPunct="1">
-              <a:defRPr sz="1800" kern="1200">
-                <a:solidFill>
-                  <a:schemeClr val="tx1"/>
-                </a:solidFill>
-                <a:latin typeface="+mn-lt"/>
-                <a:ea typeface="+mn-ea"/>
-                <a:cs typeface="+mn-cs"/>
-              </a:defRPr>
-            </a:lvl1pPr>
-            <a:lvl2pPr marL="457200" algn="l" defTabSz="457200" rtl="0" eaLnBrk="1" latinLnBrk="0" hangingPunct="1">
-              <a:defRPr sz="1800" kern="1200">
-                <a:solidFill>
-                  <a:schemeClr val="tx1"/>
-                </a:solidFill>
-                <a:latin typeface="+mn-lt"/>
-                <a:ea typeface="+mn-ea"/>
-                <a:cs typeface="+mn-cs"/>
-              </a:defRPr>
-            </a:lvl2pPr>
-            <a:lvl3pPr marL="914400" algn="l" defTabSz="457200" rtl="0" eaLnBrk="1" latinLnBrk="0" hangingPunct="1">
-              <a:defRPr sz="1800" kern="1200">
-                <a:solidFill>
-                  <a:schemeClr val="tx1"/>
-                </a:solidFill>
-                <a:latin typeface="+mn-lt"/>
-                <a:ea typeface="+mn-ea"/>
-                <a:cs typeface="+mn-cs"/>
-              </a:defRPr>
-            </a:lvl3pPr>
-            <a:lvl4pPr marL="1371600" algn="l" defTabSz="457200" rtl="0" eaLnBrk="1" latinLnBrk="0" hangingPunct="1">
-              <a:defRPr sz="1800" kern="1200">
-                <a:solidFill>
-                  <a:schemeClr val="tx1"/>
-                </a:solidFill>
-                <a:latin typeface="+mn-lt"/>
-                <a:ea typeface="+mn-ea"/>
-                <a:cs typeface="+mn-cs"/>
-              </a:defRPr>
-            </a:lvl4pPr>
-            <a:lvl5pPr marL="1828800" algn="l" defTabSz="457200" rtl="0" eaLnBrk="1" latinLnBrk="0" hangingPunct="1">
-              <a:defRPr sz="1800" kern="1200">
-                <a:solidFill>
-                  <a:schemeClr val="tx1"/>
-                </a:solidFill>
-                <a:latin typeface="+mn-lt"/>
-                <a:ea typeface="+mn-ea"/>
-                <a:cs typeface="+mn-cs"/>
-              </a:defRPr>
-            </a:lvl5pPr>
-            <a:lvl6pPr marL="2286000" algn="l" defTabSz="457200" rtl="0" eaLnBrk="1" latinLnBrk="0" hangingPunct="1">
-              <a:defRPr sz="1800" kern="1200">
-                <a:solidFill>
-                  <a:schemeClr val="tx1"/>
-                </a:solidFill>
-                <a:latin typeface="+mn-lt"/>
-                <a:ea typeface="+mn-ea"/>
-                <a:cs typeface="+mn-cs"/>
-              </a:defRPr>
-            </a:lvl6pPr>
-            <a:lvl7pPr marL="2743200" algn="l" defTabSz="457200" rtl="0" eaLnBrk="1" latinLnBrk="0" hangingPunct="1">
-              <a:defRPr sz="1800" kern="1200">
-                <a:solidFill>
-                  <a:schemeClr val="tx1"/>
-                </a:solidFill>
-                <a:latin typeface="+mn-lt"/>
-                <a:ea typeface="+mn-ea"/>
-                <a:cs typeface="+mn-cs"/>
-              </a:defRPr>
-            </a:lvl7pPr>
-            <a:lvl8pPr marL="3200400" algn="l" defTabSz="457200" rtl="0" eaLnBrk="1" latinLnBrk="0" hangingPunct="1">
-              <a:defRPr sz="1800" kern="1200">
-                <a:solidFill>
-                  <a:schemeClr val="tx1"/>
-                </a:solidFill>
-                <a:latin typeface="+mn-lt"/>
-                <a:ea typeface="+mn-ea"/>
-                <a:cs typeface="+mn-cs"/>
-              </a:defRPr>
-            </a:lvl8pPr>
-            <a:lvl9pPr marL="3657600" algn="l" defTabSz="457200" rtl="0" eaLnBrk="1" latinLnBrk="0" hangingPunct="1">
-              <a:defRPr sz="1800" kern="1200">
-                <a:solidFill>
-                  <a:schemeClr val="tx1"/>
-                </a:solidFill>
-                <a:latin typeface="+mn-lt"/>
-                <a:ea typeface="+mn-ea"/>
-                <a:cs typeface="+mn-cs"/>
-              </a:defRPr>
-            </a:lvl9pPr>
-          </a:lstStyle>
-          <a:p>
-            <a:r>
-              <a:rPr kumimoji="1" lang="en-US" altLang="ja-JP" sz="4400" dirty="0"/>
-              <a:t>…</a:t>
-            </a:r>
-            <a:endParaRPr kumimoji="1" lang="ja-JP" altLang="en-US" sz="4400" dirty="0"/>
-          </a:p>
-        </p:txBody>
-      </p:sp>
-      <p:sp>
-        <p:nvSpPr>
-          <p:cNvPr id="11" name="テキスト ボックス 10">
-            <a:extLst>
-              <a:ext uri="{FF2B5EF4-FFF2-40B4-BE49-F238E27FC236}">
-                <a16:creationId xmlns:a16="http://schemas.microsoft.com/office/drawing/2014/main" id="{BE5A898B-F939-FDD5-FEBD-03C05D25AB81}"/>
-              </a:ext>
-            </a:extLst>
-          </p:cNvPr>
-          <p:cNvSpPr txBox="1"/>
-          <p:nvPr/>
-        </p:nvSpPr>
-        <p:spPr>
-          <a:xfrm>
-            <a:off x="1636619" y="7916877"/>
-            <a:ext cx="10359759" cy="1323439"/>
-          </a:xfrm>
-          <a:prstGeom prst="rect">
-            <a:avLst/>
-          </a:prstGeom>
-          <a:noFill/>
-        </p:spPr>
-        <p:txBody>
-          <a:bodyPr wrap="square" rtlCol="0">
-            <a:spAutoFit/>
-          </a:bodyPr>
-          <a:lstStyle/>
-          <a:p>
-            <a:r>
-              <a:rPr kumimoji="1" lang="ja-JP" altLang="en-US" sz="4000" dirty="0"/>
-              <a:t>複数のカメラを用いる場合や専用のデバイスを用いる場合では対応できない場面がある</a:t>
-            </a:r>
-          </a:p>
-        </p:txBody>
-      </p:sp>
-      <p:sp>
-        <p:nvSpPr>
-          <p:cNvPr id="12" name="テキスト ボックス 10">
-            <a:extLst>
-              <a:ext uri="{FF2B5EF4-FFF2-40B4-BE49-F238E27FC236}">
-                <a16:creationId xmlns:a16="http://schemas.microsoft.com/office/drawing/2014/main" id="{C2D4F4E0-D228-4BD9-B089-70B1CA892B78}"/>
-              </a:ext>
-            </a:extLst>
-          </p:cNvPr>
-          <p:cNvSpPr txBox="1"/>
-          <p:nvPr/>
-        </p:nvSpPr>
-        <p:spPr>
-          <a:xfrm>
-            <a:off x="12913264" y="18307298"/>
-            <a:ext cx="686309" cy="769441"/>
-          </a:xfrm>
-          <a:prstGeom prst="rect">
-            <a:avLst/>
-          </a:prstGeom>
-          <a:noFill/>
-        </p:spPr>
-        <p:txBody>
-          <a:bodyPr wrap="square" rtlCol="0">
-            <a:spAutoFit/>
-          </a:bodyPr>
-          <a:lstStyle>
-            <a:defPPr>
-              <a:defRPr lang="en-US"/>
-            </a:defPPr>
-            <a:lvl1pPr marL="0" algn="l" defTabSz="457200" rtl="0" eaLnBrk="1" latinLnBrk="0" hangingPunct="1">
-              <a:defRPr sz="1800" kern="1200">
-                <a:solidFill>
-                  <a:schemeClr val="tx1"/>
-                </a:solidFill>
-                <a:latin typeface="+mn-lt"/>
-                <a:ea typeface="+mn-ea"/>
-                <a:cs typeface="+mn-cs"/>
-              </a:defRPr>
-            </a:lvl1pPr>
-            <a:lvl2pPr marL="457200" algn="l" defTabSz="457200" rtl="0" eaLnBrk="1" latinLnBrk="0" hangingPunct="1">
-              <a:defRPr sz="1800" kern="1200">
-                <a:solidFill>
-                  <a:schemeClr val="tx1"/>
-                </a:solidFill>
-                <a:latin typeface="+mn-lt"/>
-                <a:ea typeface="+mn-ea"/>
-                <a:cs typeface="+mn-cs"/>
-              </a:defRPr>
-            </a:lvl2pPr>
-            <a:lvl3pPr marL="914400" algn="l" defTabSz="457200" rtl="0" eaLnBrk="1" latinLnBrk="0" hangingPunct="1">
-              <a:defRPr sz="1800" kern="1200">
-                <a:solidFill>
-                  <a:schemeClr val="tx1"/>
-                </a:solidFill>
-                <a:latin typeface="+mn-lt"/>
-                <a:ea typeface="+mn-ea"/>
-                <a:cs typeface="+mn-cs"/>
-              </a:defRPr>
-            </a:lvl3pPr>
-            <a:lvl4pPr marL="1371600" algn="l" defTabSz="457200" rtl="0" eaLnBrk="1" latinLnBrk="0" hangingPunct="1">
-              <a:defRPr sz="1800" kern="1200">
-                <a:solidFill>
-                  <a:schemeClr val="tx1"/>
-                </a:solidFill>
-                <a:latin typeface="+mn-lt"/>
-                <a:ea typeface="+mn-ea"/>
-                <a:cs typeface="+mn-cs"/>
-              </a:defRPr>
-            </a:lvl4pPr>
-            <a:lvl5pPr marL="1828800" algn="l" defTabSz="457200" rtl="0" eaLnBrk="1" latinLnBrk="0" hangingPunct="1">
-              <a:defRPr sz="1800" kern="1200">
-                <a:solidFill>
-                  <a:schemeClr val="tx1"/>
-                </a:solidFill>
-                <a:latin typeface="+mn-lt"/>
-                <a:ea typeface="+mn-ea"/>
-                <a:cs typeface="+mn-cs"/>
-              </a:defRPr>
-            </a:lvl5pPr>
-            <a:lvl6pPr marL="2286000" algn="l" defTabSz="457200" rtl="0" eaLnBrk="1" latinLnBrk="0" hangingPunct="1">
-              <a:defRPr sz="1800" kern="1200">
-                <a:solidFill>
-                  <a:schemeClr val="tx1"/>
-                </a:solidFill>
-                <a:latin typeface="+mn-lt"/>
-                <a:ea typeface="+mn-ea"/>
-                <a:cs typeface="+mn-cs"/>
-              </a:defRPr>
-            </a:lvl6pPr>
-            <a:lvl7pPr marL="2743200" algn="l" defTabSz="457200" rtl="0" eaLnBrk="1" latinLnBrk="0" hangingPunct="1">
-              <a:defRPr sz="1800" kern="1200">
-                <a:solidFill>
-                  <a:schemeClr val="tx1"/>
-                </a:solidFill>
-                <a:latin typeface="+mn-lt"/>
-                <a:ea typeface="+mn-ea"/>
-                <a:cs typeface="+mn-cs"/>
-              </a:defRPr>
-            </a:lvl7pPr>
-            <a:lvl8pPr marL="3200400" algn="l" defTabSz="457200" rtl="0" eaLnBrk="1" latinLnBrk="0" hangingPunct="1">
-              <a:defRPr sz="1800" kern="1200">
-                <a:solidFill>
-                  <a:schemeClr val="tx1"/>
-                </a:solidFill>
-                <a:latin typeface="+mn-lt"/>
-                <a:ea typeface="+mn-ea"/>
-                <a:cs typeface="+mn-cs"/>
-              </a:defRPr>
-            </a:lvl8pPr>
-            <a:lvl9pPr marL="3657600" algn="l" defTabSz="457200" rtl="0" eaLnBrk="1" latinLnBrk="0" hangingPunct="1">
-              <a:defRPr sz="1800" kern="1200">
-                <a:solidFill>
-                  <a:schemeClr val="tx1"/>
-                </a:solidFill>
-                <a:latin typeface="+mn-lt"/>
-                <a:ea typeface="+mn-ea"/>
-                <a:cs typeface="+mn-cs"/>
-              </a:defRPr>
-            </a:lvl9pPr>
-          </a:lstStyle>
-          <a:p>
-            <a:r>
-              <a:rPr kumimoji="1" lang="en-US" altLang="ja-JP" sz="4400" dirty="0"/>
-              <a:t>…</a:t>
-            </a:r>
-            <a:endParaRPr kumimoji="1" lang="ja-JP" altLang="en-US" sz="4400" dirty="0"/>
-          </a:p>
-        </p:txBody>
-      </p:sp>
-      <p:graphicFrame>
-        <p:nvGraphicFramePr>
-          <p:cNvPr id="19" name="オブジェクト 18">
-            <a:extLst>
-              <a:ext uri="{FF2B5EF4-FFF2-40B4-BE49-F238E27FC236}">
-                <a16:creationId xmlns:a16="http://schemas.microsoft.com/office/drawing/2014/main" id="{17B99AE7-54CD-DFAA-0AC3-2BE3F0916C1B}"/>
-              </a:ext>
-            </a:extLst>
-          </p:cNvPr>
-          <p:cNvGraphicFramePr>
-            <a:graphicFrameLocks noChangeAspect="1"/>
-          </p:cNvGraphicFramePr>
-          <p:nvPr>
-            <p:extLst>
-              <p:ext uri="{D42A27DB-BD31-4B8C-83A1-F6EECF244321}">
-                <p14:modId xmlns:p14="http://schemas.microsoft.com/office/powerpoint/2010/main" val="856178469"/>
-              </p:ext>
-            </p:extLst>
-          </p:nvPr>
-        </p:nvGraphicFramePr>
-        <p:xfrm>
-          <a:off x="932267" y="14618309"/>
-          <a:ext cx="11934825" cy="3989387"/>
-        </p:xfrm>
-        <a:graphic>
-          <a:graphicData uri="http://schemas.openxmlformats.org/presentationml/2006/ole">
-            <mc:AlternateContent xmlns:mc="http://schemas.openxmlformats.org/markup-compatibility/2006">
-              <mc:Choice xmlns:v="urn:schemas-microsoft-com:vml" Requires="v">
-                <p:oleObj name="Worksheet" r:id="rId3" imgW="3591037" imgH="1200150" progId="Excel.Sheet.12">
-                  <p:embed/>
-                </p:oleObj>
-              </mc:Choice>
-              <mc:Fallback>
-                <p:oleObj name="Worksheet" r:id="rId3" imgW="3591037" imgH="1200150" progId="Excel.Sheet.12">
-                  <p:embed/>
-                  <p:pic>
-                    <p:nvPicPr>
-                      <p:cNvPr id="0" name=""/>
-                      <p:cNvPicPr/>
-                      <p:nvPr/>
-                    </p:nvPicPr>
-                    <p:blipFill>
-                      <a:blip r:embed="rId4"/>
-                      <a:stretch>
-                        <a:fillRect/>
-                      </a:stretch>
-                    </p:blipFill>
-                    <p:spPr>
-                      <a:xfrm>
-                        <a:off x="932267" y="14618309"/>
-                        <a:ext cx="11934825" cy="3989387"/>
-                      </a:xfrm>
-                      <a:prstGeom prst="rect">
-                        <a:avLst/>
-                      </a:prstGeom>
-                    </p:spPr>
-                  </p:pic>
-                </p:oleObj>
-              </mc:Fallback>
-            </mc:AlternateContent>
-          </a:graphicData>
-        </a:graphic>
-      </p:graphicFrame>
-      <p:sp>
-        <p:nvSpPr>
-          <p:cNvPr id="20" name="正方形/長方形 19">
-            <a:extLst>
-              <a:ext uri="{FF2B5EF4-FFF2-40B4-BE49-F238E27FC236}">
-                <a16:creationId xmlns:a16="http://schemas.microsoft.com/office/drawing/2014/main" id="{CBAC75F4-000F-C711-D948-D26974AA2DF2}"/>
-              </a:ext>
-            </a:extLst>
-          </p:cNvPr>
-          <p:cNvSpPr>
-            <a:spLocks noChangeAspect="1"/>
-          </p:cNvSpPr>
-          <p:nvPr/>
-        </p:nvSpPr>
-        <p:spPr>
-          <a:xfrm>
-            <a:off x="885536" y="13571108"/>
-            <a:ext cx="900000" cy="900000"/>
-          </a:xfrm>
-          <a:prstGeom prst="rect">
-            <a:avLst/>
-          </a:prstGeom>
-          <a:solidFill>
-            <a:srgbClr val="FF3301"/>
-          </a:solidFill>
-          <a:ln>
-            <a:noFill/>
-          </a:ln>
-        </p:spPr>
-        <p:style>
-          <a:lnRef idx="2">
-            <a:schemeClr val="accent1">
-              <a:shade val="50000"/>
-            </a:schemeClr>
-          </a:lnRef>
-          <a:fillRef idx="1">
-            <a:schemeClr val="accent1"/>
-          </a:fillRef>
-          <a:effectRef idx="0">
-            <a:schemeClr val="accent1"/>
-          </a:effectRef>
-          <a:fontRef idx="minor">
-            <a:schemeClr val="lt1"/>
-          </a:fontRef>
-        </p:style>
-        <p:txBody>
-          <a:bodyPr rtlCol="0" anchor="ctr"/>
-          <a:lstStyle/>
-          <a:p>
-            <a:pPr algn="ctr"/>
-            <a:endParaRPr kumimoji="1" lang="ja-JP" altLang="en-US" dirty="0"/>
-          </a:p>
-        </p:txBody>
-      </p:sp>
-      <p:sp>
-        <p:nvSpPr>
-          <p:cNvPr id="26" name="矢印: 右 25">
-            <a:extLst>
-              <a:ext uri="{FF2B5EF4-FFF2-40B4-BE49-F238E27FC236}">
-                <a16:creationId xmlns:a16="http://schemas.microsoft.com/office/drawing/2014/main" id="{D6E69385-7A60-175B-6058-DD78E9FE8977}"/>
-              </a:ext>
-            </a:extLst>
-          </p:cNvPr>
-          <p:cNvSpPr/>
-          <p:nvPr/>
-        </p:nvSpPr>
-        <p:spPr>
-          <a:xfrm rot="5400000">
-            <a:off x="6236842" y="22945391"/>
-            <a:ext cx="1159312" cy="1559172"/>
-          </a:xfrm>
-          <a:prstGeom prst="rightArrow">
-            <a:avLst/>
-          </a:prstGeom>
-          <a:solidFill>
-            <a:srgbClr val="006699"/>
-          </a:solidFill>
-          <a:ln>
-            <a:noFill/>
-          </a:ln>
-        </p:spPr>
-        <p:style>
-          <a:lnRef idx="2">
-            <a:schemeClr val="accent1">
-              <a:shade val="50000"/>
-            </a:schemeClr>
-          </a:lnRef>
-          <a:fillRef idx="1">
-            <a:schemeClr val="accent1"/>
-          </a:fillRef>
-          <a:effectRef idx="0">
-            <a:schemeClr val="accent1"/>
-          </a:effectRef>
-          <a:fontRef idx="minor">
-            <a:schemeClr val="lt1"/>
-          </a:fontRef>
-        </p:style>
-        <p:txBody>
-          <a:bodyPr rtlCol="0" anchor="ctr"/>
-          <a:lstStyle/>
-          <a:p>
-            <a:pPr algn="ctr"/>
-            <a:endParaRPr lang="ja-JP" altLang="en-US"/>
-          </a:p>
-        </p:txBody>
-      </p:sp>
-      <p:sp>
-        <p:nvSpPr>
-          <p:cNvPr id="28" name="テキスト ボックス 27">
-            <a:extLst>
-              <a:ext uri="{FF2B5EF4-FFF2-40B4-BE49-F238E27FC236}">
-                <a16:creationId xmlns:a16="http://schemas.microsoft.com/office/drawing/2014/main" id="{99E33CC1-4B69-9C11-B6D3-FEAF31839879}"/>
-              </a:ext>
-            </a:extLst>
-          </p:cNvPr>
-          <p:cNvSpPr txBox="1"/>
-          <p:nvPr/>
-        </p:nvSpPr>
-        <p:spPr>
-          <a:xfrm>
-            <a:off x="2675181" y="19062845"/>
-            <a:ext cx="7946371" cy="3785652"/>
-          </a:xfrm>
-          <a:prstGeom prst="rect">
-            <a:avLst/>
-          </a:prstGeom>
-          <a:noFill/>
-        </p:spPr>
-        <p:txBody>
-          <a:bodyPr wrap="square" rtlCol="0">
-            <a:spAutoFit/>
-          </a:bodyPr>
-          <a:lstStyle/>
-          <a:p>
-            <a:r>
-              <a:rPr kumimoji="1" lang="ja-JP" altLang="en-US" sz="4000" dirty="0"/>
-              <a:t>カメラを用いる方法</a:t>
-            </a:r>
-            <a:endParaRPr kumimoji="1" lang="en-US" altLang="ja-JP" sz="4000" dirty="0"/>
-          </a:p>
-          <a:p>
-            <a:pPr marL="571500" indent="-571500">
-              <a:buFont typeface="Arial" panose="020B0604020202020204" pitchFamily="34" charset="0"/>
-              <a:buChar char="•"/>
-            </a:pPr>
-            <a:r>
-              <a:rPr kumimoji="1" lang="en-US" altLang="ja-JP" sz="4000" dirty="0"/>
-              <a:t>RGB</a:t>
-            </a:r>
-            <a:r>
-              <a:rPr kumimoji="1" lang="ja-JP" altLang="en-US" sz="4000" dirty="0"/>
-              <a:t>カメラ</a:t>
-            </a:r>
-            <a:endParaRPr kumimoji="1" lang="en-US" altLang="ja-JP" sz="4000" dirty="0"/>
-          </a:p>
-          <a:p>
-            <a:pPr marL="571500" indent="-571500">
-              <a:buFont typeface="Arial" panose="020B0604020202020204" pitchFamily="34" charset="0"/>
-              <a:buChar char="•"/>
-            </a:pPr>
-            <a:r>
-              <a:rPr kumimoji="1" lang="en-US" altLang="ja-JP" sz="4000" dirty="0"/>
-              <a:t>RGBD</a:t>
-            </a:r>
-            <a:r>
-              <a:rPr kumimoji="1" lang="ja-JP" altLang="en-US" sz="4000" dirty="0"/>
-              <a:t>カメラ</a:t>
-            </a:r>
-            <a:endParaRPr kumimoji="1" lang="en-US" altLang="ja-JP" sz="4000" dirty="0"/>
-          </a:p>
-          <a:p>
-            <a:r>
-              <a:rPr kumimoji="1" lang="ja-JP" altLang="en-US" sz="4000" dirty="0"/>
-              <a:t>モーションセンサを用いる方法</a:t>
-            </a:r>
-            <a:endParaRPr kumimoji="1" lang="en-US" altLang="ja-JP" sz="4000" dirty="0"/>
-          </a:p>
-          <a:p>
-            <a:pPr marL="571500" indent="-571500">
-              <a:buFont typeface="Arial" panose="020B0604020202020204" pitchFamily="34" charset="0"/>
-              <a:buChar char="•"/>
-            </a:pPr>
-            <a:r>
-              <a:rPr kumimoji="1" lang="ja-JP" altLang="en-US" sz="4000" dirty="0"/>
-              <a:t>光学式</a:t>
-            </a:r>
-            <a:endParaRPr kumimoji="1" lang="en-US" altLang="ja-JP" sz="4000" dirty="0"/>
-          </a:p>
-          <a:p>
-            <a:pPr marL="571500" indent="-571500">
-              <a:buFont typeface="Arial" panose="020B0604020202020204" pitchFamily="34" charset="0"/>
-              <a:buChar char="•"/>
-            </a:pPr>
-            <a:r>
-              <a:rPr kumimoji="1" lang="ja-JP" altLang="en-US" sz="4000" dirty="0"/>
-              <a:t>慣性式</a:t>
-            </a:r>
-          </a:p>
-        </p:txBody>
-      </p:sp>
-      <p:sp>
-        <p:nvSpPr>
-          <p:cNvPr id="31" name="テキスト ボックス 30">
-            <a:extLst>
-              <a:ext uri="{FF2B5EF4-FFF2-40B4-BE49-F238E27FC236}">
-                <a16:creationId xmlns:a16="http://schemas.microsoft.com/office/drawing/2014/main" id="{82F35996-F59C-C563-B170-C2C4A9015761}"/>
-              </a:ext>
-            </a:extLst>
-          </p:cNvPr>
-          <p:cNvSpPr txBox="1"/>
-          <p:nvPr/>
-        </p:nvSpPr>
-        <p:spPr>
-          <a:xfrm>
-            <a:off x="2655462" y="29167073"/>
-            <a:ext cx="8774538" cy="2266070"/>
-          </a:xfrm>
-          <a:prstGeom prst="rect">
-            <a:avLst/>
-          </a:prstGeom>
-          <a:noFill/>
-        </p:spPr>
-        <p:txBody>
-          <a:bodyPr wrap="square" rtlCol="0">
-            <a:spAutoFit/>
-          </a:bodyPr>
-          <a:lstStyle/>
-          <a:p>
-            <a:pPr>
-              <a:lnSpc>
-                <a:spcPct val="120000"/>
-              </a:lnSpc>
-            </a:pPr>
-            <a:r>
-              <a:rPr kumimoji="1" lang="ja-JP" altLang="en-US" sz="4000" dirty="0"/>
-              <a:t>以下の図のように</a:t>
-            </a:r>
-            <a:r>
-              <a:rPr kumimoji="1" lang="en-US" altLang="ja-JP" sz="4000" dirty="0" err="1"/>
-              <a:t>OpenPose</a:t>
-            </a:r>
-            <a:r>
-              <a:rPr kumimoji="1" lang="ja-JP" altLang="en-US" sz="4000" dirty="0"/>
-              <a:t>と</a:t>
-            </a:r>
-            <a:r>
-              <a:rPr kumimoji="1" lang="en-US" altLang="ja-JP" sz="4000" dirty="0"/>
-              <a:t>3d-pose-baserine</a:t>
-            </a:r>
-            <a:r>
-              <a:rPr kumimoji="1" lang="ja-JP" altLang="en-US" sz="4000" dirty="0"/>
-              <a:t>で処理することで骨格推定を行う．</a:t>
-            </a:r>
-            <a:endParaRPr kumimoji="1" lang="en-US" altLang="ja-JP" sz="4000" dirty="0"/>
-          </a:p>
-        </p:txBody>
-      </p:sp>
-      <p:pic>
-        <p:nvPicPr>
-          <p:cNvPr id="41" name="図 40" descr="ダイアグラム, 概略図&#10;&#10;自動的に生成された説明">
-            <a:extLst>
-              <a:ext uri="{FF2B5EF4-FFF2-40B4-BE49-F238E27FC236}">
-                <a16:creationId xmlns:a16="http://schemas.microsoft.com/office/drawing/2014/main" id="{A1FDB3DC-2FD1-12D7-237B-DEB05C0D0A9F}"/>
-              </a:ext>
-            </a:extLst>
-          </p:cNvPr>
-          <p:cNvPicPr>
-            <a:picLocks noChangeAspect="1"/>
-          </p:cNvPicPr>
-          <p:nvPr/>
-        </p:nvPicPr>
-        <p:blipFill>
-          <a:blip r:embed="rId5">
-            <a:extLst>
-              <a:ext uri="{28A0092B-C50C-407E-A947-70E740481C1C}">
-                <a14:useLocalDpi xmlns:a14="http://schemas.microsoft.com/office/drawing/2010/main" val="0"/>
-              </a:ext>
-            </a:extLst>
-          </a:blip>
-          <a:stretch>
-            <a:fillRect/>
-          </a:stretch>
-        </p:blipFill>
-        <p:spPr>
-          <a:xfrm>
-            <a:off x="1153685" y="31908295"/>
-            <a:ext cx="11456780" cy="3510226"/>
-          </a:xfrm>
-          <a:prstGeom prst="rect">
-            <a:avLst/>
-          </a:prstGeom>
-        </p:spPr>
-      </p:pic>
-      <p:pic>
-        <p:nvPicPr>
-          <p:cNvPr id="47" name="図 46">
-            <a:extLst>
-              <a:ext uri="{FF2B5EF4-FFF2-40B4-BE49-F238E27FC236}">
-                <a16:creationId xmlns:a16="http://schemas.microsoft.com/office/drawing/2014/main" id="{8C64CD34-B1F8-8004-301B-332C30D365D2}"/>
-              </a:ext>
-            </a:extLst>
-          </p:cNvPr>
-          <p:cNvPicPr>
-            <a:picLocks noChangeAspect="1"/>
-          </p:cNvPicPr>
-          <p:nvPr/>
-        </p:nvPicPr>
-        <p:blipFill>
-          <a:blip r:embed="rId6"/>
-          <a:stretch>
-            <a:fillRect/>
-          </a:stretch>
-        </p:blipFill>
-        <p:spPr>
-          <a:xfrm>
-            <a:off x="13427014" y="8249203"/>
-            <a:ext cx="11650894" cy="3785312"/>
-          </a:xfrm>
-          <a:prstGeom prst="rect">
-            <a:avLst/>
-          </a:prstGeom>
-        </p:spPr>
-      </p:pic>
-      <p:sp>
-        <p:nvSpPr>
-          <p:cNvPr id="48" name="テキスト ボックス 47">
-            <a:extLst>
-              <a:ext uri="{FF2B5EF4-FFF2-40B4-BE49-F238E27FC236}">
-                <a16:creationId xmlns:a16="http://schemas.microsoft.com/office/drawing/2014/main" id="{E7A0F7CB-C73E-CE4C-B7A5-701CC3570224}"/>
-              </a:ext>
-            </a:extLst>
-          </p:cNvPr>
-          <p:cNvSpPr txBox="1"/>
-          <p:nvPr/>
-        </p:nvSpPr>
-        <p:spPr>
-          <a:xfrm>
-            <a:off x="14083094" y="12301473"/>
-            <a:ext cx="10790275" cy="4475071"/>
-          </a:xfrm>
-          <a:prstGeom prst="rect">
-            <a:avLst/>
-          </a:prstGeom>
-          <a:noFill/>
-        </p:spPr>
-        <p:txBody>
-          <a:bodyPr wrap="square" rtlCol="0">
-            <a:spAutoFit/>
-          </a:bodyPr>
-          <a:lstStyle/>
-          <a:p>
-            <a:pPr>
-              <a:lnSpc>
-                <a:spcPct val="120000"/>
-              </a:lnSpc>
-            </a:pPr>
-            <a:r>
-              <a:rPr kumimoji="1" lang="ja-JP" altLang="en-US" sz="4000" dirty="0"/>
-              <a:t>デバイス専用のソフトウェア</a:t>
-            </a:r>
-            <a:endParaRPr kumimoji="1" lang="en-US" altLang="ja-JP" sz="4000" dirty="0"/>
-          </a:p>
-          <a:p>
-            <a:pPr marL="571500" indent="-571500">
-              <a:lnSpc>
-                <a:spcPct val="120000"/>
-              </a:lnSpc>
-              <a:buFont typeface="Arial" panose="020B0604020202020204" pitchFamily="34" charset="0"/>
-              <a:buChar char="•"/>
-            </a:pPr>
-            <a:r>
-              <a:rPr kumimoji="1" lang="en-US" altLang="ja-JP" sz="4000" dirty="0" err="1"/>
-              <a:t>kinectSDK</a:t>
-            </a:r>
-            <a:endParaRPr kumimoji="1" lang="en-US" altLang="ja-JP" sz="4000" dirty="0"/>
-          </a:p>
-          <a:p>
-            <a:pPr marL="571500" indent="-571500">
-              <a:lnSpc>
-                <a:spcPct val="120000"/>
-              </a:lnSpc>
-              <a:buFont typeface="Arial" panose="020B0604020202020204" pitchFamily="34" charset="0"/>
-              <a:buChar char="•"/>
-            </a:pPr>
-            <a:r>
-              <a:rPr kumimoji="1" lang="en-US" altLang="ja-JP" sz="4000" dirty="0" err="1"/>
-              <a:t>RealSenseSDK</a:t>
-            </a:r>
-            <a:endParaRPr kumimoji="1" lang="en-US" altLang="ja-JP" sz="4000" dirty="0"/>
-          </a:p>
-          <a:p>
-            <a:pPr>
-              <a:lnSpc>
-                <a:spcPct val="120000"/>
-              </a:lnSpc>
-            </a:pPr>
-            <a:r>
-              <a:rPr kumimoji="1" lang="ja-JP" altLang="en-US" sz="4000" dirty="0"/>
-              <a:t>オープンソース</a:t>
-            </a:r>
-            <a:endParaRPr kumimoji="1" lang="en-US" altLang="ja-JP" sz="4000" dirty="0"/>
-          </a:p>
-          <a:p>
-            <a:pPr marL="571500" indent="-571500">
-              <a:lnSpc>
-                <a:spcPct val="120000"/>
-              </a:lnSpc>
-              <a:buFont typeface="Arial" panose="020B0604020202020204" pitchFamily="34" charset="0"/>
-              <a:buChar char="•"/>
-            </a:pPr>
-            <a:r>
-              <a:rPr kumimoji="1" lang="en-US" altLang="ja-JP" sz="4000" dirty="0" err="1"/>
-              <a:t>OpenNI</a:t>
-            </a:r>
-            <a:endParaRPr kumimoji="1" lang="en-US" altLang="ja-JP" sz="4000" dirty="0"/>
-          </a:p>
-          <a:p>
-            <a:pPr marL="571500" indent="-571500">
-              <a:lnSpc>
-                <a:spcPct val="120000"/>
-              </a:lnSpc>
-              <a:buFont typeface="Arial" panose="020B0604020202020204" pitchFamily="34" charset="0"/>
-              <a:buChar char="•"/>
-            </a:pPr>
-            <a:r>
-              <a:rPr kumimoji="1" lang="en-US" altLang="ja-JP" sz="4000" dirty="0" err="1"/>
-              <a:t>mediapipe</a:t>
-            </a:r>
-            <a:endParaRPr kumimoji="1" lang="en-US" altLang="ja-JP" sz="4000" dirty="0"/>
-          </a:p>
-        </p:txBody>
-      </p:sp>
-      <p:pic>
-        <p:nvPicPr>
-          <p:cNvPr id="52" name="図 51" descr="ダイアグラム&#10;&#10;自動的に生成された説明">
-            <a:extLst>
-              <a:ext uri="{FF2B5EF4-FFF2-40B4-BE49-F238E27FC236}">
-                <a16:creationId xmlns:a16="http://schemas.microsoft.com/office/drawing/2014/main" id="{D86C9273-4EE8-C5D0-04B8-C2D4F409E260}"/>
-              </a:ext>
-            </a:extLst>
-          </p:cNvPr>
-          <p:cNvPicPr>
-            <a:picLocks noChangeAspect="1"/>
-          </p:cNvPicPr>
-          <p:nvPr/>
-        </p:nvPicPr>
-        <p:blipFill>
-          <a:blip r:embed="rId7">
-            <a:extLst>
-              <a:ext uri="{28A0092B-C50C-407E-A947-70E740481C1C}">
-                <a14:useLocalDpi xmlns:a14="http://schemas.microsoft.com/office/drawing/2010/main" val="0"/>
-              </a:ext>
-            </a:extLst>
-          </a:blip>
-          <a:stretch>
-            <a:fillRect/>
-          </a:stretch>
-        </p:blipFill>
-        <p:spPr>
-          <a:xfrm>
-            <a:off x="14977990" y="16863038"/>
-            <a:ext cx="8891711" cy="6655925"/>
-          </a:xfrm>
-          <a:prstGeom prst="rect">
-            <a:avLst/>
-          </a:prstGeom>
-        </p:spPr>
-      </p:pic>
-      <p:sp>
-        <p:nvSpPr>
-          <p:cNvPr id="56" name="テキスト ボックス 55">
-            <a:extLst>
-              <a:ext uri="{FF2B5EF4-FFF2-40B4-BE49-F238E27FC236}">
-                <a16:creationId xmlns:a16="http://schemas.microsoft.com/office/drawing/2014/main" id="{45D1026B-4E7F-7171-43FA-98DAE5394510}"/>
-              </a:ext>
-            </a:extLst>
-          </p:cNvPr>
-          <p:cNvSpPr txBox="1"/>
-          <p:nvPr/>
-        </p:nvSpPr>
-        <p:spPr>
-          <a:xfrm>
-            <a:off x="13597576" y="26663049"/>
-            <a:ext cx="11480332" cy="5220725"/>
-          </a:xfrm>
-          <a:prstGeom prst="rect">
-            <a:avLst/>
-          </a:prstGeom>
-          <a:noFill/>
-        </p:spPr>
-        <p:txBody>
-          <a:bodyPr wrap="square" rtlCol="0">
-            <a:spAutoFit/>
-          </a:bodyPr>
-          <a:lstStyle/>
-          <a:p>
-            <a:pPr>
-              <a:lnSpc>
-                <a:spcPct val="120000"/>
-              </a:lnSpc>
-            </a:pPr>
-            <a:r>
-              <a:rPr kumimoji="1" lang="ja-JP" altLang="en-US" sz="4000" dirty="0"/>
-              <a:t>画像処理データを基準にする場合</a:t>
-            </a:r>
-            <a:endParaRPr kumimoji="1" lang="en-US" altLang="ja-JP" sz="4000" dirty="0"/>
-          </a:p>
-          <a:p>
-            <a:pPr>
-              <a:lnSpc>
-                <a:spcPct val="120000"/>
-              </a:lnSpc>
-            </a:pPr>
-            <a:r>
-              <a:rPr kumimoji="1" lang="en-US" altLang="ja-JP" sz="4000" dirty="0"/>
-              <a:t>	</a:t>
-            </a:r>
-            <a:r>
-              <a:rPr kumimoji="1" lang="ja-JP" altLang="en-US" sz="4000" dirty="0"/>
-              <a:t>⇒特定の方法に有利な結果が出てしまう可能性</a:t>
-            </a:r>
-            <a:endParaRPr kumimoji="1" lang="en-US" altLang="ja-JP" sz="4000" dirty="0"/>
-          </a:p>
-          <a:p>
-            <a:pPr>
-              <a:lnSpc>
-                <a:spcPct val="120000"/>
-              </a:lnSpc>
-            </a:pPr>
-            <a:r>
-              <a:rPr kumimoji="1" lang="ja-JP" altLang="en-US" sz="4000" dirty="0"/>
-              <a:t>　　がある</a:t>
-            </a:r>
-            <a:endParaRPr kumimoji="1" lang="en-US" altLang="ja-JP" sz="4000" dirty="0"/>
-          </a:p>
-          <a:p>
-            <a:pPr>
-              <a:lnSpc>
-                <a:spcPct val="120000"/>
-              </a:lnSpc>
-            </a:pPr>
-            <a:r>
-              <a:rPr kumimoji="1" lang="ja-JP" altLang="en-US" sz="4000" dirty="0"/>
-              <a:t>モーションセンサのデータを基準にする場合</a:t>
-            </a:r>
-            <a:endParaRPr kumimoji="1" lang="en-US" altLang="ja-JP" sz="4000" dirty="0"/>
-          </a:p>
-          <a:p>
-            <a:pPr>
-              <a:lnSpc>
-                <a:spcPct val="120000"/>
-              </a:lnSpc>
-            </a:pPr>
-            <a:r>
-              <a:rPr kumimoji="1" lang="ja-JP" altLang="en-US" sz="4000" dirty="0"/>
-              <a:t>　⇒画像処理とは独立した方法</a:t>
-            </a:r>
-            <a:endParaRPr kumimoji="1" lang="en-US" altLang="ja-JP" sz="4000" dirty="0"/>
-          </a:p>
-          <a:p>
-            <a:pPr>
-              <a:lnSpc>
-                <a:spcPct val="120000"/>
-              </a:lnSpc>
-            </a:pPr>
-            <a:endParaRPr kumimoji="1" lang="en-US" altLang="ja-JP" sz="4000" dirty="0"/>
-          </a:p>
-          <a:p>
-            <a:pPr>
-              <a:lnSpc>
-                <a:spcPct val="120000"/>
-              </a:lnSpc>
-            </a:pPr>
-            <a:r>
-              <a:rPr kumimoji="1" lang="ja-JP" altLang="en-US" sz="4000" dirty="0"/>
-              <a:t>センサの位置座標の誤差や時間変動を比較</a:t>
-            </a:r>
-            <a:endParaRPr kumimoji="1" lang="en-US" altLang="ja-JP" sz="4000" dirty="0"/>
-          </a:p>
-        </p:txBody>
-      </p:sp>
     </p:spTree>
     <p:extLst>
       <p:ext uri="{BB962C8B-B14F-4D97-AF65-F5344CB8AC3E}">
